--- a/投影片/3.網站程式與資料庫溝通、互動.pptx
+++ b/投影片/3.網站程式與資料庫溝通、互動.pptx
@@ -45,19 +45,19 @@
     <p:sldId id="273" r:id="rId39"/>
     <p:sldId id="318" r:id="rId40"/>
     <p:sldId id="319" r:id="rId41"/>
-    <p:sldId id="320" r:id="rId42"/>
-    <p:sldId id="321" r:id="rId43"/>
-    <p:sldId id="282" r:id="rId44"/>
-    <p:sldId id="283" r:id="rId45"/>
-    <p:sldId id="322" r:id="rId46"/>
-    <p:sldId id="275" r:id="rId47"/>
-    <p:sldId id="276" r:id="rId48"/>
-    <p:sldId id="278" r:id="rId49"/>
-    <p:sldId id="279" r:id="rId50"/>
-    <p:sldId id="280" r:id="rId51"/>
-    <p:sldId id="281" r:id="rId52"/>
-    <p:sldId id="284" r:id="rId53"/>
-    <p:sldId id="285" r:id="rId54"/>
+    <p:sldId id="321" r:id="rId42"/>
+    <p:sldId id="323" r:id="rId43"/>
+    <p:sldId id="324" r:id="rId44"/>
+    <p:sldId id="282" r:id="rId45"/>
+    <p:sldId id="283" r:id="rId46"/>
+    <p:sldId id="322" r:id="rId47"/>
+    <p:sldId id="325" r:id="rId48"/>
+    <p:sldId id="326" r:id="rId49"/>
+    <p:sldId id="275" r:id="rId50"/>
+    <p:sldId id="276" r:id="rId51"/>
+    <p:sldId id="278" r:id="rId52"/>
+    <p:sldId id="279" r:id="rId53"/>
+    <p:sldId id="280" r:id="rId54"/>
   </p:sldIdLst>
   <p:sldSz cx="12192000" cy="6858000"/>
   <p:notesSz cx="6858000" cy="9144000"/>
@@ -198,7 +198,7 @@
           <a:p>
             <a:fld id="{31CDE89B-FBD9-4E23-BEEB-B0C8819124B3}" type="datetimeFigureOut">
               <a:rPr lang="zh-TW" altLang="en-US" smtClean="0"/>
-              <a:t>2022/3/8</a:t>
+              <a:t>2022/3/9</a:t>
             </a:fld>
             <a:endParaRPr lang="zh-TW" altLang="en-US"/>
           </a:p>
@@ -3069,7 +3069,7 @@
           <a:p>
             <a:fld id="{31CDE89B-FBD9-4E23-BEEB-B0C8819124B3}" type="datetimeFigureOut">
               <a:rPr lang="zh-TW" altLang="en-US" smtClean="0"/>
-              <a:t>2022/3/8</a:t>
+              <a:t>2022/3/9</a:t>
             </a:fld>
             <a:endParaRPr lang="zh-TW" altLang="en-US"/>
           </a:p>
@@ -3261,7 +3261,7 @@
           <a:p>
             <a:fld id="{31CDE89B-FBD9-4E23-BEEB-B0C8819124B3}" type="datetimeFigureOut">
               <a:rPr lang="zh-TW" altLang="en-US" smtClean="0"/>
-              <a:t>2022/3/8</a:t>
+              <a:t>2022/3/9</a:t>
             </a:fld>
             <a:endParaRPr lang="zh-TW" altLang="en-US"/>
           </a:p>
@@ -3457,7 +3457,7 @@
           <a:p>
             <a:fld id="{31CDE89B-FBD9-4E23-BEEB-B0C8819124B3}" type="datetimeFigureOut">
               <a:rPr lang="zh-TW" altLang="en-US" smtClean="0"/>
-              <a:t>2022/3/8</a:t>
+              <a:t>2022/3/9</a:t>
             </a:fld>
             <a:endParaRPr lang="zh-TW" altLang="en-US"/>
           </a:p>
@@ -4553,7 +4553,7 @@
           <a:p>
             <a:fld id="{31CDE89B-FBD9-4E23-BEEB-B0C8819124B3}" type="datetimeFigureOut">
               <a:rPr lang="zh-TW" altLang="en-US" smtClean="0"/>
-              <a:t>2022/3/8</a:t>
+              <a:t>2022/3/9</a:t>
             </a:fld>
             <a:endParaRPr lang="zh-TW" altLang="en-US"/>
           </a:p>
@@ -4802,7 +4802,7 @@
           <a:p>
             <a:fld id="{31CDE89B-FBD9-4E23-BEEB-B0C8819124B3}" type="datetimeFigureOut">
               <a:rPr lang="zh-TW" altLang="en-US" smtClean="0"/>
-              <a:t>2022/3/8</a:t>
+              <a:t>2022/3/9</a:t>
             </a:fld>
             <a:endParaRPr lang="zh-TW" altLang="en-US"/>
           </a:p>
@@ -5181,7 +5181,7 @@
           <a:p>
             <a:fld id="{31CDE89B-FBD9-4E23-BEEB-B0C8819124B3}" type="datetimeFigureOut">
               <a:rPr lang="zh-TW" altLang="en-US" smtClean="0"/>
-              <a:t>2022/3/8</a:t>
+              <a:t>2022/3/9</a:t>
             </a:fld>
             <a:endParaRPr lang="zh-TW" altLang="en-US"/>
           </a:p>
@@ -5311,7 +5311,7 @@
           <a:p>
             <a:fld id="{31CDE89B-FBD9-4E23-BEEB-B0C8819124B3}" type="datetimeFigureOut">
               <a:rPr lang="zh-TW" altLang="en-US" smtClean="0"/>
-              <a:t>2022/3/8</a:t>
+              <a:t>2022/3/9</a:t>
             </a:fld>
             <a:endParaRPr lang="zh-TW" altLang="en-US"/>
           </a:p>
@@ -5418,7 +5418,7 @@
           <a:p>
             <a:fld id="{31CDE89B-FBD9-4E23-BEEB-B0C8819124B3}" type="datetimeFigureOut">
               <a:rPr lang="zh-TW" altLang="en-US" smtClean="0"/>
-              <a:t>2022/3/8</a:t>
+              <a:t>2022/3/9</a:t>
             </a:fld>
             <a:endParaRPr lang="zh-TW" altLang="en-US"/>
           </a:p>
@@ -5707,7 +5707,7 @@
           <a:p>
             <a:fld id="{31CDE89B-FBD9-4E23-BEEB-B0C8819124B3}" type="datetimeFigureOut">
               <a:rPr lang="zh-TW" altLang="en-US" smtClean="0"/>
-              <a:t>2022/3/8</a:t>
+              <a:t>2022/3/9</a:t>
             </a:fld>
             <a:endParaRPr lang="zh-TW" altLang="en-US"/>
           </a:p>
@@ -5972,7 +5972,7 @@
           <a:p>
             <a:fld id="{31CDE89B-FBD9-4E23-BEEB-B0C8819124B3}" type="datetimeFigureOut">
               <a:rPr lang="zh-TW" altLang="en-US" smtClean="0"/>
-              <a:t>2022/3/8</a:t>
+              <a:t>2022/3/9</a:t>
             </a:fld>
             <a:endParaRPr lang="zh-TW" altLang="en-US"/>
           </a:p>
@@ -6197,7 +6197,7 @@
           <a:p>
             <a:fld id="{31CDE89B-FBD9-4E23-BEEB-B0C8819124B3}" type="datetimeFigureOut">
               <a:rPr lang="zh-TW" altLang="en-US" smtClean="0"/>
-              <a:t>2022/3/8</a:t>
+              <a:t>2022/3/9</a:t>
             </a:fld>
             <a:endParaRPr lang="zh-TW" altLang="en-US"/>
           </a:p>
@@ -10738,11 +10738,7 @@
           <a:p>
             <a:r>
               <a:rPr lang="zh-TW" altLang="en-US" dirty="0" smtClean="0"/>
-              <a:t>啟用新增</a:t>
-            </a:r>
-            <a:r>
-              <a:rPr lang="zh-TW" altLang="en-US" dirty="0" smtClean="0"/>
-              <a:t>、修改、刪除功能</a:t>
+              <a:t>啟用新增、修改、刪除功能</a:t>
             </a:r>
             <a:endParaRPr lang="en-US" altLang="zh-TW" dirty="0" smtClean="0"/>
           </a:p>
@@ -10879,7 +10875,6 @@
               <a:rPr lang="zh-TW" altLang="en-US" dirty="0"/>
               <a:t>設定風格</a:t>
             </a:r>
-            <a:endParaRPr lang="zh-TW" altLang="en-US" dirty="0"/>
           </a:p>
         </p:txBody>
       </p:sp>
@@ -11795,15 +11790,11 @@
             </a:r>
             <a:r>
               <a:rPr lang="zh-TW" altLang="en-US" dirty="0" smtClean="0"/>
-              <a:t>建立</a:t>
+              <a:t>讀取資料渲染成</a:t>
             </a:r>
             <a:r>
               <a:rPr lang="en-US" altLang="zh-TW" dirty="0" smtClean="0"/>
-              <a:t>Checkbox</a:t>
-            </a:r>
-            <a:r>
-              <a:rPr lang="zh-TW" altLang="en-US" dirty="0" smtClean="0"/>
-              <a:t>選單</a:t>
+              <a:t>table</a:t>
             </a:r>
             <a:endParaRPr lang="zh-TW" altLang="en-US" dirty="0"/>
           </a:p>
@@ -11824,14 +11815,62 @@
           <a:bodyPr/>
           <a:lstStyle/>
           <a:p>
-            <a:endParaRPr lang="zh-TW" altLang="en-US" dirty="0"/>
+            <a:pPr marL="0" indent="0">
+              <a:buNone/>
+            </a:pPr>
+            <a:r>
+              <a:rPr lang="en-US" altLang="zh-TW" dirty="0" smtClean="0"/>
+              <a:t>1.</a:t>
+            </a:r>
+            <a:r>
+              <a:rPr lang="zh-TW" altLang="en-US" dirty="0" smtClean="0"/>
+              <a:t> 印出</a:t>
+            </a:r>
+            <a:r>
+              <a:rPr lang="en-US" altLang="zh-TW" dirty="0" err="1" smtClean="0"/>
+              <a:t>ProgrammingLanguage</a:t>
+            </a:r>
+            <a:r>
+              <a:rPr lang="zh-TW" altLang="en-US" dirty="0" smtClean="0"/>
+              <a:t>資料</a:t>
+            </a:r>
           </a:p>
         </p:txBody>
       </p:sp>
+      <p:pic>
+        <p:nvPicPr>
+          <p:cNvPr id="4" name="圖片 3" descr="畫面剪輯"/>
+          <p:cNvPicPr>
+            <a:picLocks noChangeAspect="1"/>
+          </p:cNvPicPr>
+          <p:nvPr/>
+        </p:nvPicPr>
+        <p:blipFill>
+          <a:blip r:embed="rId2">
+            <a:extLst>
+              <a:ext uri="{28A0092B-C50C-407E-A947-70E740481C1C}">
+                <a14:useLocalDpi xmlns:a14="http://schemas.microsoft.com/office/drawing/2010/main" val="0"/>
+              </a:ext>
+            </a:extLst>
+          </a:blip>
+          <a:stretch>
+            <a:fillRect/>
+          </a:stretch>
+        </p:blipFill>
+        <p:spPr>
+          <a:xfrm>
+            <a:off x="2390010" y="2478521"/>
+            <a:ext cx="6694184" cy="2972710"/>
+          </a:xfrm>
+          <a:prstGeom prst="rect">
+            <a:avLst/>
+          </a:prstGeom>
+        </p:spPr>
+      </p:pic>
     </p:spTree>
     <p:extLst>
       <p:ext uri="{BB962C8B-B14F-4D97-AF65-F5344CB8AC3E}">
-        <p14:creationId xmlns:p14="http://schemas.microsoft.com/office/powerpoint/2010/main" val="1650963310"/>
+        <p14:creationId xmlns:p14="http://schemas.microsoft.com/office/powerpoint/2010/main" val="1542371791"/>
       </p:ext>
     </p:extLst>
   </p:cSld>
@@ -11886,60 +11925,58 @@
           <a:lstStyle/>
           <a:p>
             <a:r>
-              <a:rPr lang="zh-TW" altLang="en-US" dirty="0" smtClean="0"/>
+              <a:rPr lang="zh-TW" altLang="en-US" dirty="0"/>
               <a:t>使用</a:t>
             </a:r>
             <a:r>
-              <a:rPr lang="en-US" altLang="zh-TW" dirty="0" err="1" smtClean="0"/>
+              <a:rPr lang="en-US" altLang="zh-TW" dirty="0" err="1"/>
               <a:t>DataReader</a:t>
             </a:r>
             <a:r>
-              <a:rPr lang="zh-TW" altLang="en-US" dirty="0" smtClean="0"/>
+              <a:rPr lang="zh-TW" altLang="en-US" dirty="0"/>
               <a:t>讀取資料渲染成</a:t>
             </a:r>
             <a:r>
-              <a:rPr lang="en-US" altLang="zh-TW" dirty="0" smtClean="0"/>
+              <a:rPr lang="en-US" altLang="zh-TW" dirty="0"/>
               <a:t>table</a:t>
             </a:r>
             <a:endParaRPr lang="zh-TW" altLang="en-US" dirty="0"/>
           </a:p>
         </p:txBody>
       </p:sp>
-      <p:sp>
-        <p:nvSpPr>
-          <p:cNvPr id="3" name="內容版面配置區 2"/>
-          <p:cNvSpPr>
-            <a:spLocks noGrp="1"/>
-          </p:cNvSpPr>
+      <p:pic>
+        <p:nvPicPr>
+          <p:cNvPr id="4" name="內容版面配置區 3" descr="畫面剪輯"/>
+          <p:cNvPicPr>
+            <a:picLocks noGrp="1" noChangeAspect="1"/>
+          </p:cNvPicPr>
           <p:nvPr>
             <p:ph idx="1"/>
           </p:nvPr>
-        </p:nvSpPr>
-        <p:spPr/>
-        <p:txBody>
-          <a:bodyPr/>
-          <a:lstStyle/>
-          <a:p>
-            <a:r>
-              <a:rPr lang="zh-TW" altLang="en-US" dirty="0" smtClean="0"/>
-              <a:t>帶入參數取前</a:t>
-            </a:r>
-            <a:r>
-              <a:rPr lang="en-US" altLang="zh-TW" dirty="0" smtClean="0"/>
-              <a:t>N</a:t>
-            </a:r>
-            <a:r>
-              <a:rPr lang="zh-TW" altLang="en-US" dirty="0" smtClean="0"/>
-              <a:t>筆資料</a:t>
-            </a:r>
-            <a:endParaRPr lang="zh-TW" altLang="en-US" dirty="0"/>
-          </a:p>
-        </p:txBody>
-      </p:sp>
+        </p:nvPicPr>
+        <p:blipFill>
+          <a:blip r:embed="rId2">
+            <a:extLst>
+              <a:ext uri="{28A0092B-C50C-407E-A947-70E740481C1C}">
+                <a14:useLocalDpi xmlns:a14="http://schemas.microsoft.com/office/drawing/2010/main" val="0"/>
+              </a:ext>
+            </a:extLst>
+          </a:blip>
+          <a:stretch>
+            <a:fillRect/>
+          </a:stretch>
+        </p:blipFill>
+        <p:spPr>
+          <a:xfrm>
+            <a:off x="1661747" y="1170450"/>
+            <a:ext cx="8994530" cy="5644791"/>
+          </a:xfrm>
+        </p:spPr>
+      </p:pic>
     </p:spTree>
     <p:extLst>
       <p:ext uri="{BB962C8B-B14F-4D97-AF65-F5344CB8AC3E}">
-        <p14:creationId xmlns:p14="http://schemas.microsoft.com/office/powerpoint/2010/main" val="1542371791"/>
+        <p14:creationId xmlns:p14="http://schemas.microsoft.com/office/powerpoint/2010/main" val="3987390809"/>
       </p:ext>
     </p:extLst>
   </p:cSld>
@@ -11994,8 +12031,20 @@
           <a:lstStyle/>
           <a:p>
             <a:r>
+              <a:rPr lang="zh-TW" altLang="en-US" dirty="0"/>
+              <a:t>使用</a:t>
+            </a:r>
+            <a:r>
               <a:rPr lang="en-US" altLang="zh-TW" dirty="0" err="1"/>
-              <a:t>sqlparameter</a:t>
+              <a:t>DataReader</a:t>
+            </a:r>
+            <a:r>
+              <a:rPr lang="zh-TW" altLang="en-US" dirty="0"/>
+              <a:t>讀取資料渲染成</a:t>
+            </a:r>
+            <a:r>
+              <a:rPr lang="en-US" altLang="zh-TW" dirty="0"/>
+              <a:t>table</a:t>
             </a:r>
             <a:endParaRPr lang="zh-TW" altLang="en-US" dirty="0"/>
           </a:p>
@@ -12016,6 +12065,31 @@
           <a:bodyPr/>
           <a:lstStyle/>
           <a:p>
+            <a:pPr marL="0" indent="0">
+              <a:buNone/>
+            </a:pPr>
+            <a:r>
+              <a:rPr lang="en-US" altLang="zh-TW" dirty="0" smtClean="0"/>
+              <a:t>2.</a:t>
+            </a:r>
+            <a:r>
+              <a:rPr lang="zh-TW" altLang="en-US" dirty="0" smtClean="0"/>
+              <a:t> 帶入</a:t>
+            </a:r>
+            <a:r>
+              <a:rPr lang="zh-TW" altLang="en-US" dirty="0"/>
+              <a:t>參數取前</a:t>
+            </a:r>
+            <a:r>
+              <a:rPr lang="en-US" altLang="zh-TW" dirty="0"/>
+              <a:t>N</a:t>
+            </a:r>
+            <a:r>
+              <a:rPr lang="zh-TW" altLang="en-US" dirty="0"/>
+              <a:t>筆資料</a:t>
+            </a:r>
+          </a:p>
+          <a:p>
             <a:endParaRPr lang="zh-TW" altLang="en-US" dirty="0"/>
           </a:p>
         </p:txBody>
@@ -12023,7 +12097,7 @@
     </p:spTree>
     <p:extLst>
       <p:ext uri="{BB962C8B-B14F-4D97-AF65-F5344CB8AC3E}">
-        <p14:creationId xmlns:p14="http://schemas.microsoft.com/office/powerpoint/2010/main" val="3481202587"/>
+        <p14:creationId xmlns:p14="http://schemas.microsoft.com/office/powerpoint/2010/main" val="3661081008"/>
       </p:ext>
     </p:extLst>
   </p:cSld>
@@ -12078,12 +12152,8 @@
           <a:lstStyle/>
           <a:p>
             <a:r>
-              <a:rPr lang="en-US" altLang="zh-TW" dirty="0" smtClean="0"/>
-              <a:t>SQL </a:t>
-            </a:r>
-            <a:r>
-              <a:rPr lang="en-US" altLang="zh-TW" dirty="0"/>
-              <a:t>injection</a:t>
+              <a:rPr lang="en-US" altLang="zh-TW" dirty="0" err="1"/>
+              <a:t>sqlparameter</a:t>
             </a:r>
             <a:endParaRPr lang="zh-TW" altLang="en-US" dirty="0"/>
           </a:p>
@@ -12104,60 +12174,6 @@
           <a:bodyPr/>
           <a:lstStyle/>
           <a:p>
-            <a:r>
-              <a:rPr lang="en-US" altLang="zh-TW" b="1" dirty="0"/>
-              <a:t>SQL</a:t>
-            </a:r>
-            <a:r>
-              <a:rPr lang="zh-TW" altLang="en-US" b="1" dirty="0"/>
-              <a:t>注入</a:t>
-            </a:r>
-            <a:r>
-              <a:rPr lang="zh-TW" altLang="en-US" dirty="0"/>
-              <a:t>也稱</a:t>
-            </a:r>
-            <a:r>
-              <a:rPr lang="en-US" altLang="zh-TW" b="1" dirty="0"/>
-              <a:t>SQL</a:t>
-            </a:r>
-            <a:r>
-              <a:rPr lang="zh-TW" altLang="en-US" b="1" dirty="0"/>
-              <a:t>隱碼</a:t>
-            </a:r>
-            <a:r>
-              <a:rPr lang="zh-TW" altLang="en-US" dirty="0"/>
-              <a:t>或</a:t>
-            </a:r>
-            <a:r>
-              <a:rPr lang="en-US" altLang="zh-TW" b="1" dirty="0"/>
-              <a:t>SQL</a:t>
-            </a:r>
-            <a:r>
-              <a:rPr lang="zh-TW" altLang="en-US" b="1" dirty="0"/>
-              <a:t>注碼</a:t>
-            </a:r>
-            <a:r>
-              <a:rPr lang="zh-TW" altLang="en-US" dirty="0"/>
-              <a:t>，是發生於應用程式與資料庫層的安全漏洞。簡而言之，是在輸入的字串之中夾帶</a:t>
-            </a:r>
-            <a:r>
-              <a:rPr lang="en-US" altLang="zh-TW" dirty="0"/>
-              <a:t>SQL</a:t>
-            </a:r>
-            <a:r>
-              <a:rPr lang="zh-TW" altLang="en-US" dirty="0"/>
-              <a:t>指令，在設計不良的程式當中忽略了字元檢查，那麼這些夾帶進去的惡意指令就會被資料庫伺服器誤認為是正常的</a:t>
-            </a:r>
-            <a:r>
-              <a:rPr lang="en-US" altLang="zh-TW" dirty="0"/>
-              <a:t>SQL</a:t>
-            </a:r>
-            <a:r>
-              <a:rPr lang="zh-TW" altLang="en-US" dirty="0"/>
-              <a:t>指令而執行，因此遭到破壞或是入侵。</a:t>
-            </a:r>
-          </a:p>
-          <a:p>
             <a:endParaRPr lang="zh-TW" altLang="en-US" dirty="0"/>
           </a:p>
         </p:txBody>
@@ -12165,7 +12181,7 @@
     </p:spTree>
     <p:extLst>
       <p:ext uri="{BB962C8B-B14F-4D97-AF65-F5344CB8AC3E}">
-        <p14:creationId xmlns:p14="http://schemas.microsoft.com/office/powerpoint/2010/main" val="3418259007"/>
+        <p14:creationId xmlns:p14="http://schemas.microsoft.com/office/powerpoint/2010/main" val="3481202587"/>
       </p:ext>
     </p:extLst>
   </p:cSld>
@@ -12221,11 +12237,11 @@
           <a:p>
             <a:r>
               <a:rPr lang="en-US" altLang="zh-TW" dirty="0" smtClean="0"/>
-              <a:t>SQL injection</a:t>
-            </a:r>
-            <a:r>
-              <a:rPr lang="zh-TW" altLang="en-US" dirty="0" smtClean="0"/>
-              <a:t> 範例</a:t>
+              <a:t>SQL </a:t>
+            </a:r>
+            <a:r>
+              <a:rPr lang="en-US" altLang="zh-TW" dirty="0"/>
+              <a:t>injection</a:t>
             </a:r>
             <a:endParaRPr lang="zh-TW" altLang="en-US" dirty="0"/>
           </a:p>
@@ -12247,21 +12263,59 @@
           <a:lstStyle/>
           <a:p>
             <a:r>
+              <a:rPr lang="en-US" altLang="zh-TW" b="1" dirty="0"/>
+              <a:t>SQL</a:t>
+            </a:r>
+            <a:r>
+              <a:rPr lang="zh-TW" altLang="en-US" b="1" dirty="0"/>
+              <a:t>注入</a:t>
+            </a:r>
+            <a:r>
               <a:rPr lang="zh-TW" altLang="en-US" dirty="0"/>
-              <a:t>使用</a:t>
-            </a:r>
-            <a:r>
-              <a:rPr lang="en-US" altLang="zh-TW" dirty="0" err="1"/>
-              <a:t>DataReader</a:t>
+              <a:t>也稱</a:t>
+            </a:r>
+            <a:r>
+              <a:rPr lang="en-US" altLang="zh-TW" b="1" dirty="0"/>
+              <a:t>SQL</a:t>
+            </a:r>
+            <a:r>
+              <a:rPr lang="zh-TW" altLang="en-US" b="1" dirty="0"/>
+              <a:t>隱碼</a:t>
             </a:r>
             <a:r>
               <a:rPr lang="zh-TW" altLang="en-US" dirty="0"/>
-              <a:t>讀取資料渲染成</a:t>
+              <a:t>或</a:t>
+            </a:r>
+            <a:r>
+              <a:rPr lang="en-US" altLang="zh-TW" b="1" dirty="0"/>
+              <a:t>SQL</a:t>
+            </a:r>
+            <a:r>
+              <a:rPr lang="zh-TW" altLang="en-US" b="1" dirty="0"/>
+              <a:t>注碼</a:t>
+            </a:r>
+            <a:r>
+              <a:rPr lang="zh-TW" altLang="en-US" dirty="0"/>
+              <a:t>，是發生於應用程式與資料庫層的安全漏洞。簡而言之，是在輸入的字串之中夾帶</a:t>
             </a:r>
             <a:r>
               <a:rPr lang="en-US" altLang="zh-TW" dirty="0"/>
-              <a:t>table</a:t>
-            </a:r>
+              <a:t>SQL</a:t>
+            </a:r>
+            <a:r>
+              <a:rPr lang="zh-TW" altLang="en-US" dirty="0"/>
+              <a:t>指令，在設計不良的程式當中忽略了字元檢查，那麼這些夾帶進去的惡意指令就會被資料庫伺服器誤認為是正常的</a:t>
+            </a:r>
+            <a:r>
+              <a:rPr lang="en-US" altLang="zh-TW" dirty="0"/>
+              <a:t>SQL</a:t>
+            </a:r>
+            <a:r>
+              <a:rPr lang="zh-TW" altLang="en-US" dirty="0"/>
+              <a:t>指令而執行，因此遭到破壞或是入侵。</a:t>
+            </a:r>
+          </a:p>
+          <a:p>
             <a:endParaRPr lang="zh-TW" altLang="en-US" dirty="0"/>
           </a:p>
         </p:txBody>
@@ -12269,7 +12323,7 @@
     </p:spTree>
     <p:extLst>
       <p:ext uri="{BB962C8B-B14F-4D97-AF65-F5344CB8AC3E}">
-        <p14:creationId xmlns:p14="http://schemas.microsoft.com/office/powerpoint/2010/main" val="1951020292"/>
+        <p14:creationId xmlns:p14="http://schemas.microsoft.com/office/powerpoint/2010/main" val="3418259007"/>
       </p:ext>
     </p:extLst>
   </p:cSld>
@@ -12325,7 +12379,11 @@
           <a:p>
             <a:r>
               <a:rPr lang="en-US" altLang="zh-TW" dirty="0" smtClean="0"/>
-              <a:t>dataset</a:t>
+              <a:t>SQL injection</a:t>
+            </a:r>
+            <a:r>
+              <a:rPr lang="zh-TW" altLang="en-US" dirty="0" smtClean="0"/>
+              <a:t> 範例</a:t>
             </a:r>
             <a:endParaRPr lang="zh-TW" altLang="en-US" dirty="0"/>
           </a:p>
@@ -12347,12 +12405,20 @@
           <a:lstStyle/>
           <a:p>
             <a:r>
-              <a:rPr lang="zh-TW" altLang="en-US" dirty="0" smtClean="0"/>
-              <a:t>圖</a:t>
-            </a:r>
-            <a:r>
-              <a:rPr lang="en-US" altLang="zh-TW" dirty="0" smtClean="0"/>
-              <a:t>14-41</a:t>
+              <a:rPr lang="zh-TW" altLang="en-US" dirty="0"/>
+              <a:t>使用</a:t>
+            </a:r>
+            <a:r>
+              <a:rPr lang="en-US" altLang="zh-TW" dirty="0" err="1"/>
+              <a:t>DataReader</a:t>
+            </a:r>
+            <a:r>
+              <a:rPr lang="zh-TW" altLang="en-US" dirty="0"/>
+              <a:t>讀取資料渲染成</a:t>
+            </a:r>
+            <a:r>
+              <a:rPr lang="en-US" altLang="zh-TW" dirty="0"/>
+              <a:t>table</a:t>
             </a:r>
             <a:endParaRPr lang="zh-TW" altLang="en-US" dirty="0"/>
           </a:p>
@@ -12361,7 +12427,7 @@
     </p:spTree>
     <p:extLst>
       <p:ext uri="{BB962C8B-B14F-4D97-AF65-F5344CB8AC3E}">
-        <p14:creationId xmlns:p14="http://schemas.microsoft.com/office/powerpoint/2010/main" val="3770456208"/>
+        <p14:creationId xmlns:p14="http://schemas.microsoft.com/office/powerpoint/2010/main" val="1951020292"/>
       </p:ext>
     </p:extLst>
   </p:cSld>
@@ -12415,41 +12481,44 @@
           <a:bodyPr/>
           <a:lstStyle/>
           <a:p>
-            <a:r>
-              <a:rPr lang="en-US" altLang="zh-TW" dirty="0"/>
-              <a:t>dataset</a:t>
-            </a:r>
-            <a:endParaRPr lang="zh-TW" altLang="en-US" dirty="0"/>
+            <a:endParaRPr lang="zh-TW" altLang="en-US"/>
           </a:p>
         </p:txBody>
       </p:sp>
-      <p:sp>
-        <p:nvSpPr>
-          <p:cNvPr id="3" name="內容版面配置區 2"/>
-          <p:cNvSpPr>
-            <a:spLocks noGrp="1"/>
-          </p:cNvSpPr>
-          <p:nvPr>
-            <p:ph idx="1"/>
-          </p:nvPr>
-        </p:nvSpPr>
-        <p:spPr/>
-        <p:txBody>
-          <a:bodyPr/>
-          <a:lstStyle/>
-          <a:p>
-            <a:r>
-              <a:rPr lang="en-US" altLang="zh-TW" dirty="0" smtClean="0"/>
-              <a:t>fill</a:t>
-            </a:r>
-            <a:endParaRPr lang="zh-TW" altLang="en-US" dirty="0"/>
-          </a:p>
-        </p:txBody>
-      </p:sp>
+      <p:pic>
+        <p:nvPicPr>
+          <p:cNvPr id="4" name="圖片 3" descr="畫面剪輯"/>
+          <p:cNvPicPr>
+            <a:picLocks noChangeAspect="1"/>
+          </p:cNvPicPr>
+          <p:nvPr/>
+        </p:nvPicPr>
+        <p:blipFill>
+          <a:blip r:embed="rId2">
+            <a:extLst>
+              <a:ext uri="{28A0092B-C50C-407E-A947-70E740481C1C}">
+                <a14:useLocalDpi xmlns:a14="http://schemas.microsoft.com/office/drawing/2010/main" val="0"/>
+              </a:ext>
+            </a:extLst>
+          </a:blip>
+          <a:stretch>
+            <a:fillRect/>
+          </a:stretch>
+        </p:blipFill>
+        <p:spPr>
+          <a:xfrm>
+            <a:off x="615462" y="81851"/>
+            <a:ext cx="10831242" cy="6573926"/>
+          </a:xfrm>
+          <a:prstGeom prst="rect">
+            <a:avLst/>
+          </a:prstGeom>
+        </p:spPr>
+      </p:pic>
     </p:spTree>
     <p:extLst>
       <p:ext uri="{BB962C8B-B14F-4D97-AF65-F5344CB8AC3E}">
-        <p14:creationId xmlns:p14="http://schemas.microsoft.com/office/powerpoint/2010/main" val="1199046171"/>
+        <p14:creationId xmlns:p14="http://schemas.microsoft.com/office/powerpoint/2010/main" val="2266772393"/>
       </p:ext>
     </p:extLst>
   </p:cSld>
@@ -12503,41 +12572,43 @@
           <a:bodyPr/>
           <a:lstStyle/>
           <a:p>
-            <a:r>
-              <a:rPr lang="en-US" altLang="zh-TW" dirty="0"/>
-              <a:t>dataset</a:t>
-            </a:r>
-            <a:endParaRPr lang="zh-TW" altLang="en-US" dirty="0"/>
+            <a:endParaRPr lang="zh-TW" altLang="en-US"/>
           </a:p>
         </p:txBody>
       </p:sp>
-      <p:sp>
-        <p:nvSpPr>
-          <p:cNvPr id="3" name="內容版面配置區 2"/>
-          <p:cNvSpPr>
-            <a:spLocks noGrp="1"/>
-          </p:cNvSpPr>
+      <p:pic>
+        <p:nvPicPr>
+          <p:cNvPr id="4" name="內容版面配置區 3" descr="畫面剪輯"/>
+          <p:cNvPicPr>
+            <a:picLocks noGrp="1" noChangeAspect="1"/>
+          </p:cNvPicPr>
           <p:nvPr>
             <p:ph idx="1"/>
           </p:nvPr>
-        </p:nvSpPr>
-        <p:spPr/>
-        <p:txBody>
-          <a:bodyPr/>
-          <a:lstStyle/>
-          <a:p>
-            <a:r>
-              <a:rPr lang="en-US" altLang="zh-TW" dirty="0" smtClean="0"/>
-              <a:t>update</a:t>
-            </a:r>
-            <a:endParaRPr lang="zh-TW" altLang="en-US" dirty="0"/>
-          </a:p>
-        </p:txBody>
-      </p:sp>
+        </p:nvPicPr>
+        <p:blipFill>
+          <a:blip r:embed="rId2">
+            <a:extLst>
+              <a:ext uri="{28A0092B-C50C-407E-A947-70E740481C1C}">
+                <a14:useLocalDpi xmlns:a14="http://schemas.microsoft.com/office/drawing/2010/main" val="0"/>
+              </a:ext>
+            </a:extLst>
+          </a:blip>
+          <a:stretch>
+            <a:fillRect/>
+          </a:stretch>
+        </p:blipFill>
+        <p:spPr>
+          <a:xfrm>
+            <a:off x="2749438" y="2648032"/>
+            <a:ext cx="2495898" cy="1457528"/>
+          </a:xfrm>
+        </p:spPr>
+      </p:pic>
     </p:spTree>
     <p:extLst>
       <p:ext uri="{BB962C8B-B14F-4D97-AF65-F5344CB8AC3E}">
-        <p14:creationId xmlns:p14="http://schemas.microsoft.com/office/powerpoint/2010/main" val="2629029407"/>
+        <p14:creationId xmlns:p14="http://schemas.microsoft.com/office/powerpoint/2010/main" val="411970294"/>
       </p:ext>
     </p:extLst>
   </p:cSld>
@@ -12593,11 +12664,7 @@
           <a:p>
             <a:r>
               <a:rPr lang="en-US" altLang="zh-TW" dirty="0" smtClean="0"/>
-              <a:t>Dataset</a:t>
-            </a:r>
-            <a:r>
-              <a:rPr lang="zh-TW" altLang="en-US" dirty="0" smtClean="0"/>
-              <a:t>結構</a:t>
+              <a:t>dataset</a:t>
             </a:r>
             <a:endParaRPr lang="zh-TW" altLang="en-US" dirty="0"/>
           </a:p>
@@ -12619,28 +12686,12 @@
           <a:lstStyle/>
           <a:p>
             <a:r>
+              <a:rPr lang="zh-TW" altLang="en-US" dirty="0" smtClean="0"/>
+              <a:t>圖</a:t>
+            </a:r>
+            <a:r>
               <a:rPr lang="en-US" altLang="zh-TW" dirty="0" smtClean="0"/>
-              <a:t>Dataset</a:t>
-            </a:r>
-          </a:p>
-          <a:p>
-            <a:r>
-              <a:rPr lang="en-US" altLang="zh-TW" dirty="0" err="1" smtClean="0"/>
-              <a:t>Datatable</a:t>
-            </a:r>
-            <a:endParaRPr lang="en-US" altLang="zh-TW" dirty="0" smtClean="0"/>
-          </a:p>
-          <a:p>
-            <a:r>
-              <a:rPr lang="en-US" altLang="zh-TW" dirty="0" err="1" smtClean="0"/>
-              <a:t>Datarow</a:t>
-            </a:r>
-            <a:endParaRPr lang="en-US" altLang="zh-TW" dirty="0" smtClean="0"/>
-          </a:p>
-          <a:p>
-            <a:r>
-              <a:rPr lang="en-US" altLang="zh-TW" dirty="0" err="1"/>
-              <a:t>datacolumn</a:t>
+              <a:t>14-41</a:t>
             </a:r>
             <a:endParaRPr lang="zh-TW" altLang="en-US" dirty="0"/>
           </a:p>
@@ -12649,7 +12700,7 @@
     </p:spTree>
     <p:extLst>
       <p:ext uri="{BB962C8B-B14F-4D97-AF65-F5344CB8AC3E}">
-        <p14:creationId xmlns:p14="http://schemas.microsoft.com/office/powerpoint/2010/main" val="1650307284"/>
+        <p14:creationId xmlns:p14="http://schemas.microsoft.com/office/powerpoint/2010/main" val="3770456208"/>
       </p:ext>
     </p:extLst>
   </p:cSld>
@@ -14443,8 +14494,8 @@
           <a:lstStyle/>
           <a:p>
             <a:r>
-              <a:rPr lang="en-US" altLang="zh-TW" dirty="0" err="1"/>
-              <a:t>Datatable</a:t>
+              <a:rPr lang="en-US" altLang="zh-TW" dirty="0"/>
+              <a:t>dataset</a:t>
             </a:r>
             <a:endParaRPr lang="zh-TW" altLang="en-US" dirty="0"/>
           </a:p>
@@ -14467,13 +14518,7 @@
           <a:p>
             <a:r>
               <a:rPr lang="en-US" altLang="zh-TW" dirty="0" smtClean="0"/>
-              <a:t>Select</a:t>
-            </a:r>
-          </a:p>
-          <a:p>
-            <a:r>
-              <a:rPr lang="en-US" altLang="zh-TW" dirty="0"/>
-              <a:t>compute</a:t>
+              <a:t>fill</a:t>
             </a:r>
             <a:endParaRPr lang="zh-TW" altLang="en-US" dirty="0"/>
           </a:p>
@@ -14482,7 +14527,7 @@
     </p:spTree>
     <p:extLst>
       <p:ext uri="{BB962C8B-B14F-4D97-AF65-F5344CB8AC3E}">
-        <p14:creationId xmlns:p14="http://schemas.microsoft.com/office/powerpoint/2010/main" val="646775573"/>
+        <p14:creationId xmlns:p14="http://schemas.microsoft.com/office/powerpoint/2010/main" val="1199046171"/>
       </p:ext>
     </p:extLst>
   </p:cSld>
@@ -14537,8 +14582,8 @@
           <a:lstStyle/>
           <a:p>
             <a:r>
-              <a:rPr lang="en-US" altLang="zh-TW" dirty="0" smtClean="0"/>
-              <a:t>dapper</a:t>
+              <a:rPr lang="en-US" altLang="zh-TW" dirty="0"/>
+              <a:t>dataset</a:t>
             </a:r>
             <a:endParaRPr lang="zh-TW" altLang="en-US" dirty="0"/>
           </a:p>
@@ -14560,31 +14605,17 @@
           <a:lstStyle/>
           <a:p>
             <a:r>
-              <a:rPr lang="zh-TW" altLang="en-US" dirty="0"/>
-              <a:t>強行</a:t>
-            </a:r>
-            <a:r>
-              <a:rPr lang="zh-TW" altLang="en-US" dirty="0" smtClean="0"/>
-              <a:t>別</a:t>
-            </a:r>
-            <a:endParaRPr lang="en-US" altLang="zh-TW" dirty="0" smtClean="0"/>
-          </a:p>
-          <a:p>
-            <a:r>
-              <a:rPr lang="zh-TW" altLang="en-US" dirty="0" smtClean="0"/>
-              <a:t>弱型</a:t>
-            </a:r>
-            <a:r>
-              <a:rPr lang="zh-TW" altLang="en-US" dirty="0"/>
-              <a:t>別</a:t>
-            </a:r>
+              <a:rPr lang="en-US" altLang="zh-TW" dirty="0" smtClean="0"/>
+              <a:t>update</a:t>
+            </a:r>
+            <a:endParaRPr lang="zh-TW" altLang="en-US" dirty="0"/>
           </a:p>
         </p:txBody>
       </p:sp>
     </p:spTree>
     <p:extLst>
       <p:ext uri="{BB962C8B-B14F-4D97-AF65-F5344CB8AC3E}">
-        <p14:creationId xmlns:p14="http://schemas.microsoft.com/office/powerpoint/2010/main" val="1736545126"/>
+        <p14:creationId xmlns:p14="http://schemas.microsoft.com/office/powerpoint/2010/main" val="2629029407"/>
       </p:ext>
     </p:extLst>
   </p:cSld>
@@ -14639,8 +14670,12 @@
           <a:lstStyle/>
           <a:p>
             <a:r>
-              <a:rPr lang="en-US" altLang="zh-TW" dirty="0"/>
-              <a:t>dapper</a:t>
+              <a:rPr lang="en-US" altLang="zh-TW" dirty="0" smtClean="0"/>
+              <a:t>Dataset</a:t>
+            </a:r>
+            <a:r>
+              <a:rPr lang="zh-TW" altLang="en-US" dirty="0" smtClean="0"/>
+              <a:t>結構</a:t>
             </a:r>
             <a:endParaRPr lang="zh-TW" altLang="en-US" dirty="0"/>
           </a:p>
@@ -14662,8 +14697,28 @@
           <a:lstStyle/>
           <a:p>
             <a:r>
-              <a:rPr lang="zh-TW" altLang="en-US" dirty="0" smtClean="0"/>
-              <a:t>載入</a:t>
+              <a:rPr lang="en-US" altLang="zh-TW" dirty="0" smtClean="0"/>
+              <a:t>Dataset</a:t>
+            </a:r>
+          </a:p>
+          <a:p>
+            <a:r>
+              <a:rPr lang="en-US" altLang="zh-TW" dirty="0" err="1" smtClean="0"/>
+              <a:t>Datatable</a:t>
+            </a:r>
+            <a:endParaRPr lang="en-US" altLang="zh-TW" dirty="0" smtClean="0"/>
+          </a:p>
+          <a:p>
+            <a:r>
+              <a:rPr lang="en-US" altLang="zh-TW" dirty="0" err="1" smtClean="0"/>
+              <a:t>Datarow</a:t>
+            </a:r>
+            <a:endParaRPr lang="en-US" altLang="zh-TW" dirty="0" smtClean="0"/>
+          </a:p>
+          <a:p>
+            <a:r>
+              <a:rPr lang="en-US" altLang="zh-TW" dirty="0" err="1"/>
+              <a:t>datacolumn</a:t>
             </a:r>
             <a:endParaRPr lang="zh-TW" altLang="en-US" dirty="0"/>
           </a:p>
@@ -14672,7 +14727,7 @@
     </p:spTree>
     <p:extLst>
       <p:ext uri="{BB962C8B-B14F-4D97-AF65-F5344CB8AC3E}">
-        <p14:creationId xmlns:p14="http://schemas.microsoft.com/office/powerpoint/2010/main" val="1719169654"/>
+        <p14:creationId xmlns:p14="http://schemas.microsoft.com/office/powerpoint/2010/main" val="1650307284"/>
       </p:ext>
     </p:extLst>
   </p:cSld>
@@ -14727,8 +14782,8 @@
           <a:lstStyle/>
           <a:p>
             <a:r>
-              <a:rPr lang="en-US" altLang="zh-TW" dirty="0"/>
-              <a:t>dapper</a:t>
+              <a:rPr lang="en-US" altLang="zh-TW" dirty="0" err="1"/>
+              <a:t>Datatable</a:t>
             </a:r>
             <a:endParaRPr lang="zh-TW" altLang="en-US" dirty="0"/>
           </a:p>
@@ -14751,10 +14806,14 @@
           <a:p>
             <a:r>
               <a:rPr lang="en-US" altLang="zh-TW" dirty="0" smtClean="0"/>
-              <a:t>CRUD</a:t>
-            </a:r>
-          </a:p>
-          <a:p>
+              <a:t>Select</a:t>
+            </a:r>
+          </a:p>
+          <a:p>
+            <a:r>
+              <a:rPr lang="en-US" altLang="zh-TW" dirty="0"/>
+              <a:t>compute</a:t>
+            </a:r>
             <a:endParaRPr lang="zh-TW" altLang="en-US" dirty="0"/>
           </a:p>
         </p:txBody>
@@ -14762,7 +14821,7 @@
     </p:spTree>
     <p:extLst>
       <p:ext uri="{BB962C8B-B14F-4D97-AF65-F5344CB8AC3E}">
-        <p14:creationId xmlns:p14="http://schemas.microsoft.com/office/powerpoint/2010/main" val="1495345134"/>
+        <p14:creationId xmlns:p14="http://schemas.microsoft.com/office/powerpoint/2010/main" val="646775573"/>
       </p:ext>
     </p:extLst>
   </p:cSld>

--- a/投影片/3.網站程式與資料庫溝通、互動.pptx
+++ b/投影片/3.網站程式與資料庫溝通、互動.pptx
@@ -49,15 +49,19 @@
     <p:sldId id="323" r:id="rId43"/>
     <p:sldId id="324" r:id="rId44"/>
     <p:sldId id="282" r:id="rId45"/>
-    <p:sldId id="283" r:id="rId46"/>
-    <p:sldId id="322" r:id="rId47"/>
-    <p:sldId id="325" r:id="rId48"/>
-    <p:sldId id="326" r:id="rId49"/>
-    <p:sldId id="275" r:id="rId50"/>
-    <p:sldId id="276" r:id="rId51"/>
-    <p:sldId id="278" r:id="rId52"/>
+    <p:sldId id="328" r:id="rId46"/>
+    <p:sldId id="283" r:id="rId47"/>
+    <p:sldId id="322" r:id="rId48"/>
+    <p:sldId id="325" r:id="rId49"/>
+    <p:sldId id="327" r:id="rId50"/>
+    <p:sldId id="329" r:id="rId51"/>
+    <p:sldId id="330" r:id="rId52"/>
     <p:sldId id="279" r:id="rId53"/>
-    <p:sldId id="280" r:id="rId54"/>
+    <p:sldId id="275" r:id="rId54"/>
+    <p:sldId id="276" r:id="rId55"/>
+    <p:sldId id="280" r:id="rId56"/>
+    <p:sldId id="278" r:id="rId57"/>
+    <p:sldId id="331" r:id="rId58"/>
   </p:sldIdLst>
   <p:sldSz cx="12192000" cy="6858000"/>
   <p:notesSz cx="6858000" cy="9144000"/>
@@ -198,7 +202,7 @@
           <a:p>
             <a:fld id="{31CDE89B-FBD9-4E23-BEEB-B0C8819124B3}" type="datetimeFigureOut">
               <a:rPr lang="zh-TW" altLang="en-US" smtClean="0"/>
-              <a:t>2022/3/9</a:t>
+              <a:t>2022/3/13</a:t>
             </a:fld>
             <a:endParaRPr lang="zh-TW" altLang="en-US"/>
           </a:p>
@@ -3069,7 +3073,7 @@
           <a:p>
             <a:fld id="{31CDE89B-FBD9-4E23-BEEB-B0C8819124B3}" type="datetimeFigureOut">
               <a:rPr lang="zh-TW" altLang="en-US" smtClean="0"/>
-              <a:t>2022/3/9</a:t>
+              <a:t>2022/3/13</a:t>
             </a:fld>
             <a:endParaRPr lang="zh-TW" altLang="en-US"/>
           </a:p>
@@ -3261,7 +3265,7 @@
           <a:p>
             <a:fld id="{31CDE89B-FBD9-4E23-BEEB-B0C8819124B3}" type="datetimeFigureOut">
               <a:rPr lang="zh-TW" altLang="en-US" smtClean="0"/>
-              <a:t>2022/3/9</a:t>
+              <a:t>2022/3/13</a:t>
             </a:fld>
             <a:endParaRPr lang="zh-TW" altLang="en-US"/>
           </a:p>
@@ -3457,7 +3461,7 @@
           <a:p>
             <a:fld id="{31CDE89B-FBD9-4E23-BEEB-B0C8819124B3}" type="datetimeFigureOut">
               <a:rPr lang="zh-TW" altLang="en-US" smtClean="0"/>
-              <a:t>2022/3/9</a:t>
+              <a:t>2022/3/13</a:t>
             </a:fld>
             <a:endParaRPr lang="zh-TW" altLang="en-US"/>
           </a:p>
@@ -4553,7 +4557,7 @@
           <a:p>
             <a:fld id="{31CDE89B-FBD9-4E23-BEEB-B0C8819124B3}" type="datetimeFigureOut">
               <a:rPr lang="zh-TW" altLang="en-US" smtClean="0"/>
-              <a:t>2022/3/9</a:t>
+              <a:t>2022/3/13</a:t>
             </a:fld>
             <a:endParaRPr lang="zh-TW" altLang="en-US"/>
           </a:p>
@@ -4802,7 +4806,7 @@
           <a:p>
             <a:fld id="{31CDE89B-FBD9-4E23-BEEB-B0C8819124B3}" type="datetimeFigureOut">
               <a:rPr lang="zh-TW" altLang="en-US" smtClean="0"/>
-              <a:t>2022/3/9</a:t>
+              <a:t>2022/3/13</a:t>
             </a:fld>
             <a:endParaRPr lang="zh-TW" altLang="en-US"/>
           </a:p>
@@ -5181,7 +5185,7 @@
           <a:p>
             <a:fld id="{31CDE89B-FBD9-4E23-BEEB-B0C8819124B3}" type="datetimeFigureOut">
               <a:rPr lang="zh-TW" altLang="en-US" smtClean="0"/>
-              <a:t>2022/3/9</a:t>
+              <a:t>2022/3/13</a:t>
             </a:fld>
             <a:endParaRPr lang="zh-TW" altLang="en-US"/>
           </a:p>
@@ -5311,7 +5315,7 @@
           <a:p>
             <a:fld id="{31CDE89B-FBD9-4E23-BEEB-B0C8819124B3}" type="datetimeFigureOut">
               <a:rPr lang="zh-TW" altLang="en-US" smtClean="0"/>
-              <a:t>2022/3/9</a:t>
+              <a:t>2022/3/13</a:t>
             </a:fld>
             <a:endParaRPr lang="zh-TW" altLang="en-US"/>
           </a:p>
@@ -5418,7 +5422,7 @@
           <a:p>
             <a:fld id="{31CDE89B-FBD9-4E23-BEEB-B0C8819124B3}" type="datetimeFigureOut">
               <a:rPr lang="zh-TW" altLang="en-US" smtClean="0"/>
-              <a:t>2022/3/9</a:t>
+              <a:t>2022/3/13</a:t>
             </a:fld>
             <a:endParaRPr lang="zh-TW" altLang="en-US"/>
           </a:p>
@@ -5707,7 +5711,7 @@
           <a:p>
             <a:fld id="{31CDE89B-FBD9-4E23-BEEB-B0C8819124B3}" type="datetimeFigureOut">
               <a:rPr lang="zh-TW" altLang="en-US" smtClean="0"/>
-              <a:t>2022/3/9</a:t>
+              <a:t>2022/3/13</a:t>
             </a:fld>
             <a:endParaRPr lang="zh-TW" altLang="en-US"/>
           </a:p>
@@ -5972,7 +5976,7 @@
           <a:p>
             <a:fld id="{31CDE89B-FBD9-4E23-BEEB-B0C8819124B3}" type="datetimeFigureOut">
               <a:rPr lang="zh-TW" altLang="en-US" smtClean="0"/>
-              <a:t>2022/3/9</a:t>
+              <a:t>2022/3/13</a:t>
             </a:fld>
             <a:endParaRPr lang="zh-TW" altLang="en-US"/>
           </a:p>
@@ -6197,7 +6201,7 @@
           <a:p>
             <a:fld id="{31CDE89B-FBD9-4E23-BEEB-B0C8819124B3}" type="datetimeFigureOut">
               <a:rPr lang="zh-TW" altLang="en-US" smtClean="0"/>
-              <a:t>2022/3/9</a:t>
+              <a:t>2022/3/13</a:t>
             </a:fld>
             <a:endParaRPr lang="zh-TW" altLang="en-US"/>
           </a:p>
@@ -11782,7 +11786,7 @@
           <a:p>
             <a:r>
               <a:rPr lang="zh-TW" altLang="en-US" dirty="0" smtClean="0"/>
-              <a:t>使用</a:t>
+              <a:t>練習使用</a:t>
             </a:r>
             <a:r>
               <a:rPr lang="en-US" altLang="zh-TW" dirty="0" err="1" smtClean="0"/>
@@ -11790,11 +11794,11 @@
             </a:r>
             <a:r>
               <a:rPr lang="zh-TW" altLang="en-US" dirty="0" smtClean="0"/>
-              <a:t>讀取資料渲染成</a:t>
-            </a:r>
-            <a:r>
-              <a:rPr lang="en-US" altLang="zh-TW" dirty="0" smtClean="0"/>
-              <a:t>table</a:t>
+              <a:t>讀取</a:t>
+            </a:r>
+            <a:r>
+              <a:rPr lang="zh-TW" altLang="en-US" dirty="0" smtClean="0"/>
+              <a:t>資料</a:t>
             </a:r>
             <a:endParaRPr lang="zh-TW" altLang="en-US" dirty="0"/>
           </a:p>
@@ -11934,11 +11938,11 @@
             </a:r>
             <a:r>
               <a:rPr lang="zh-TW" altLang="en-US" dirty="0"/>
-              <a:t>讀取資料渲染成</a:t>
-            </a:r>
-            <a:r>
-              <a:rPr lang="en-US" altLang="zh-TW" dirty="0"/>
-              <a:t>table</a:t>
+              <a:t>讀取</a:t>
+            </a:r>
+            <a:r>
+              <a:rPr lang="zh-TW" altLang="en-US" dirty="0" smtClean="0"/>
+              <a:t>資料</a:t>
             </a:r>
             <a:endParaRPr lang="zh-TW" altLang="en-US" dirty="0"/>
           </a:p>
@@ -12032,7 +12036,7 @@
           <a:p>
             <a:r>
               <a:rPr lang="zh-TW" altLang="en-US" dirty="0"/>
-              <a:t>使用</a:t>
+              <a:t>練習使用</a:t>
             </a:r>
             <a:r>
               <a:rPr lang="en-US" altLang="zh-TW" dirty="0" err="1"/>
@@ -12040,11 +12044,11 @@
             </a:r>
             <a:r>
               <a:rPr lang="zh-TW" altLang="en-US" dirty="0"/>
-              <a:t>讀取資料渲染成</a:t>
-            </a:r>
-            <a:r>
-              <a:rPr lang="en-US" altLang="zh-TW" dirty="0"/>
-              <a:t>table</a:t>
+              <a:t>讀取</a:t>
+            </a:r>
+            <a:r>
+              <a:rPr lang="zh-TW" altLang="en-US" dirty="0" smtClean="0"/>
+              <a:t>資料</a:t>
             </a:r>
             <a:endParaRPr lang="zh-TW" altLang="en-US" dirty="0"/>
           </a:p>
@@ -12070,30 +12074,67 @@
             </a:pPr>
             <a:r>
               <a:rPr lang="en-US" altLang="zh-TW" dirty="0" smtClean="0"/>
-              <a:t>2.</a:t>
+              <a:t>2</a:t>
+            </a:r>
+            <a:r>
+              <a:rPr lang="en-US" altLang="zh-TW" dirty="0" smtClean="0"/>
+              <a:t>.</a:t>
             </a:r>
             <a:r>
               <a:rPr lang="zh-TW" altLang="en-US" dirty="0" smtClean="0"/>
-              <a:t> 帶入</a:t>
+              <a:t>依據輸入語言名稱，</a:t>
+            </a:r>
+            <a:r>
+              <a:rPr lang="zh-TW" altLang="en-US" dirty="0" smtClean="0"/>
+              <a:t>印出查尋到的</a:t>
+            </a:r>
+            <a:r>
+              <a:rPr lang="en-US" altLang="zh-TW" dirty="0" err="1" smtClean="0"/>
+              <a:t>ProgrammingLanguage</a:t>
             </a:r>
             <a:r>
               <a:rPr lang="zh-TW" altLang="en-US" dirty="0"/>
-              <a:t>參數取前</a:t>
-            </a:r>
-            <a:r>
-              <a:rPr lang="en-US" altLang="zh-TW" dirty="0"/>
-              <a:t>N</a:t>
-            </a:r>
-            <a:r>
-              <a:rPr lang="zh-TW" altLang="en-US" dirty="0"/>
-              <a:t>筆資料</a:t>
-            </a:r>
-          </a:p>
-          <a:p>
+              <a:t>資料</a:t>
+            </a:r>
+          </a:p>
+          <a:p>
+            <a:pPr marL="0" indent="0">
+              <a:buNone/>
+            </a:pPr>
             <a:endParaRPr lang="zh-TW" altLang="en-US" dirty="0"/>
           </a:p>
         </p:txBody>
       </p:sp>
+      <p:pic>
+        <p:nvPicPr>
+          <p:cNvPr id="5" name="圖片 4" descr="畫面剪輯"/>
+          <p:cNvPicPr>
+            <a:picLocks noChangeAspect="1"/>
+          </p:cNvPicPr>
+          <p:nvPr/>
+        </p:nvPicPr>
+        <p:blipFill>
+          <a:blip r:embed="rId2">
+            <a:extLst>
+              <a:ext uri="{28A0092B-C50C-407E-A947-70E740481C1C}">
+                <a14:useLocalDpi xmlns:a14="http://schemas.microsoft.com/office/drawing/2010/main" val="0"/>
+              </a:ext>
+            </a:extLst>
+          </a:blip>
+          <a:stretch>
+            <a:fillRect/>
+          </a:stretch>
+        </p:blipFill>
+        <p:spPr>
+          <a:xfrm>
+            <a:off x="1223930" y="2952822"/>
+            <a:ext cx="4793386" cy="1730945"/>
+          </a:xfrm>
+          <a:prstGeom prst="rect">
+            <a:avLst/>
+          </a:prstGeom>
+        </p:spPr>
+      </p:pic>
     </p:spTree>
     <p:extLst>
       <p:ext uri="{BB962C8B-B14F-4D97-AF65-F5344CB8AC3E}">
@@ -12152,8 +12193,12 @@
           <a:lstStyle/>
           <a:p>
             <a:r>
-              <a:rPr lang="en-US" altLang="zh-TW" dirty="0" err="1"/>
-              <a:t>sqlparameter</a:t>
+              <a:rPr lang="zh-TW" altLang="en-US" dirty="0"/>
+              <a:t>帶入條件</a:t>
+            </a:r>
+            <a:r>
+              <a:rPr lang="zh-TW" altLang="en-US" dirty="0" smtClean="0"/>
+              <a:t>參數查詢資料</a:t>
             </a:r>
             <a:endParaRPr lang="zh-TW" altLang="en-US" dirty="0"/>
           </a:p>
@@ -12174,6 +12219,36 @@
           <a:bodyPr/>
           <a:lstStyle/>
           <a:p>
+            <a:r>
+              <a:rPr lang="en-US" altLang="zh-TW" dirty="0" err="1"/>
+              <a:t>SqlParameter</a:t>
+            </a:r>
+            <a:endParaRPr lang="en-US" altLang="zh-TW" dirty="0" smtClean="0"/>
+          </a:p>
+          <a:p>
+            <a:pPr lvl="1"/>
+            <a:r>
+              <a:rPr lang="zh-TW" altLang="en-US" dirty="0" smtClean="0"/>
+              <a:t>代表</a:t>
+            </a:r>
+            <a:r>
+              <a:rPr lang="zh-TW" altLang="en-US" dirty="0"/>
+              <a:t> </a:t>
+            </a:r>
+            <a:r>
+              <a:rPr lang="en-US" altLang="zh-TW" dirty="0" err="1">
+                <a:hlinkClick r:id="rId2"/>
+              </a:rPr>
+              <a:t>SqlCommand</a:t>
+            </a:r>
+            <a:r>
+              <a:rPr lang="en-US" altLang="zh-TW" dirty="0"/>
+              <a:t> </a:t>
+            </a:r>
+            <a:r>
+              <a:rPr lang="zh-TW" altLang="en-US" dirty="0"/>
+              <a:t>的參數</a:t>
+            </a:r>
             <a:endParaRPr lang="zh-TW" altLang="en-US" dirty="0"/>
           </a:p>
         </p:txBody>
@@ -12236,94 +12311,137 @@
           <a:lstStyle/>
           <a:p>
             <a:r>
-              <a:rPr lang="en-US" altLang="zh-TW" dirty="0" smtClean="0"/>
-              <a:t>SQL </a:t>
-            </a:r>
-            <a:r>
-              <a:rPr lang="en-US" altLang="zh-TW" dirty="0"/>
-              <a:t>injection</a:t>
-            </a:r>
-            <a:endParaRPr lang="zh-TW" altLang="en-US" dirty="0"/>
+              <a:rPr lang="zh-TW" altLang="en-US" dirty="0"/>
+              <a:t>帶入條件參數查詢資料</a:t>
+            </a:r>
+          </a:p>
+        </p:txBody>
+      </p:sp>
+      <p:pic>
+        <p:nvPicPr>
+          <p:cNvPr id="4" name="內容版面配置區 3" descr="畫面剪輯"/>
+          <p:cNvPicPr>
+            <a:picLocks noGrp="1" noChangeAspect="1"/>
+          </p:cNvPicPr>
+          <p:nvPr>
+            <p:ph idx="1"/>
+          </p:nvPr>
+        </p:nvPicPr>
+        <p:blipFill>
+          <a:blip r:embed="rId2">
+            <a:extLst>
+              <a:ext uri="{28A0092B-C50C-407E-A947-70E740481C1C}">
+                <a14:useLocalDpi xmlns:a14="http://schemas.microsoft.com/office/drawing/2010/main" val="0"/>
+              </a:ext>
+            </a:extLst>
+          </a:blip>
+          <a:stretch>
+            <a:fillRect/>
+          </a:stretch>
+        </p:blipFill>
+        <p:spPr>
+          <a:xfrm>
+            <a:off x="1723292" y="1214280"/>
+            <a:ext cx="8487915" cy="5643720"/>
+          </a:xfrm>
+        </p:spPr>
+      </p:pic>
+      <p:sp>
+        <p:nvSpPr>
+          <p:cNvPr id="5" name="矩形 4"/>
+          <p:cNvSpPr/>
+          <p:nvPr/>
+        </p:nvSpPr>
+        <p:spPr>
+          <a:xfrm>
+            <a:off x="2189285" y="2198078"/>
+            <a:ext cx="3367453" cy="316524"/>
+          </a:xfrm>
+          <a:prstGeom prst="rect">
+            <a:avLst/>
+          </a:prstGeom>
+          <a:noFill/>
+          <a:ln w="28575">
+            <a:solidFill>
+              <a:srgbClr val="FF0000"/>
+            </a:solidFill>
+          </a:ln>
+        </p:spPr>
+        <p:style>
+          <a:lnRef idx="2">
+            <a:schemeClr val="accent1">
+              <a:shade val="50000"/>
+            </a:schemeClr>
+          </a:lnRef>
+          <a:fillRef idx="1">
+            <a:schemeClr val="accent1"/>
+          </a:fillRef>
+          <a:effectRef idx="0">
+            <a:schemeClr val="accent1"/>
+          </a:effectRef>
+          <a:fontRef idx="minor">
+            <a:schemeClr val="lt1"/>
+          </a:fontRef>
+        </p:style>
+        <p:txBody>
+          <a:bodyPr rtlCol="0" anchor="ctr"/>
+          <a:lstStyle/>
+          <a:p>
+            <a:pPr algn="ctr"/>
+            <a:endParaRPr lang="zh-TW" altLang="en-US"/>
           </a:p>
         </p:txBody>
       </p:sp>
       <p:sp>
         <p:nvSpPr>
-          <p:cNvPr id="3" name="內容版面配置區 2"/>
-          <p:cNvSpPr>
-            <a:spLocks noGrp="1"/>
-          </p:cNvSpPr>
-          <p:nvPr>
-            <p:ph idx="1"/>
-          </p:nvPr>
+          <p:cNvPr id="6" name="矩形 5"/>
+          <p:cNvSpPr/>
+          <p:nvPr/>
         </p:nvSpPr>
-        <p:spPr/>
+        <p:spPr>
+          <a:xfrm>
+            <a:off x="7693269" y="1717858"/>
+            <a:ext cx="1652954" cy="316524"/>
+          </a:xfrm>
+          <a:prstGeom prst="rect">
+            <a:avLst/>
+          </a:prstGeom>
+          <a:noFill/>
+          <a:ln w="28575">
+            <a:solidFill>
+              <a:srgbClr val="FF0000"/>
+            </a:solidFill>
+          </a:ln>
+        </p:spPr>
+        <p:style>
+          <a:lnRef idx="2">
+            <a:schemeClr val="accent1">
+              <a:shade val="50000"/>
+            </a:schemeClr>
+          </a:lnRef>
+          <a:fillRef idx="1">
+            <a:schemeClr val="accent1"/>
+          </a:fillRef>
+          <a:effectRef idx="0">
+            <a:schemeClr val="accent1"/>
+          </a:effectRef>
+          <a:fontRef idx="minor">
+            <a:schemeClr val="lt1"/>
+          </a:fontRef>
+        </p:style>
         <p:txBody>
-          <a:bodyPr/>
+          <a:bodyPr rtlCol="0" anchor="ctr"/>
           <a:lstStyle/>
           <a:p>
-            <a:r>
-              <a:rPr lang="en-US" altLang="zh-TW" b="1" dirty="0"/>
-              <a:t>SQL</a:t>
-            </a:r>
-            <a:r>
-              <a:rPr lang="zh-TW" altLang="en-US" b="1" dirty="0"/>
-              <a:t>注入</a:t>
-            </a:r>
-            <a:r>
-              <a:rPr lang="zh-TW" altLang="en-US" dirty="0"/>
-              <a:t>也稱</a:t>
-            </a:r>
-            <a:r>
-              <a:rPr lang="en-US" altLang="zh-TW" b="1" dirty="0"/>
-              <a:t>SQL</a:t>
-            </a:r>
-            <a:r>
-              <a:rPr lang="zh-TW" altLang="en-US" b="1" dirty="0"/>
-              <a:t>隱碼</a:t>
-            </a:r>
-            <a:r>
-              <a:rPr lang="zh-TW" altLang="en-US" dirty="0"/>
-              <a:t>或</a:t>
-            </a:r>
-            <a:r>
-              <a:rPr lang="en-US" altLang="zh-TW" b="1" dirty="0"/>
-              <a:t>SQL</a:t>
-            </a:r>
-            <a:r>
-              <a:rPr lang="zh-TW" altLang="en-US" b="1" dirty="0"/>
-              <a:t>注碼</a:t>
-            </a:r>
-            <a:r>
-              <a:rPr lang="zh-TW" altLang="en-US" dirty="0"/>
-              <a:t>，是發生於應用程式與資料庫層的安全漏洞。簡而言之，是在輸入的字串之中夾帶</a:t>
-            </a:r>
-            <a:r>
-              <a:rPr lang="en-US" altLang="zh-TW" dirty="0"/>
-              <a:t>SQL</a:t>
-            </a:r>
-            <a:r>
-              <a:rPr lang="zh-TW" altLang="en-US" dirty="0"/>
-              <a:t>指令，在設計不良的程式當中忽略了字元檢查，那麼這些夾帶進去的惡意指令就會被資料庫伺服器誤認為是正常的</a:t>
-            </a:r>
-            <a:r>
-              <a:rPr lang="en-US" altLang="zh-TW" dirty="0"/>
-              <a:t>SQL</a:t>
-            </a:r>
-            <a:r>
-              <a:rPr lang="zh-TW" altLang="en-US" dirty="0"/>
-              <a:t>指令而執行，因此遭到破壞或是入侵。</a:t>
-            </a:r>
-          </a:p>
-          <a:p>
-            <a:endParaRPr lang="zh-TW" altLang="en-US" dirty="0"/>
+            <a:pPr algn="ctr"/>
+            <a:endParaRPr lang="zh-TW" altLang="en-US"/>
           </a:p>
         </p:txBody>
       </p:sp>
     </p:spTree>
     <p:extLst>
       <p:ext uri="{BB962C8B-B14F-4D97-AF65-F5344CB8AC3E}">
-        <p14:creationId xmlns:p14="http://schemas.microsoft.com/office/powerpoint/2010/main" val="3418259007"/>
+        <p14:creationId xmlns:p14="http://schemas.microsoft.com/office/powerpoint/2010/main" val="3381322201"/>
       </p:ext>
     </p:extLst>
   </p:cSld>
@@ -12379,11 +12497,11 @@
           <a:p>
             <a:r>
               <a:rPr lang="en-US" altLang="zh-TW" dirty="0" smtClean="0"/>
-              <a:t>SQL injection</a:t>
-            </a:r>
-            <a:r>
-              <a:rPr lang="zh-TW" altLang="en-US" dirty="0" smtClean="0"/>
-              <a:t> 範例</a:t>
+              <a:t>SQL </a:t>
+            </a:r>
+            <a:r>
+              <a:rPr lang="en-US" altLang="zh-TW" dirty="0"/>
+              <a:t>injection</a:t>
             </a:r>
             <a:endParaRPr lang="zh-TW" altLang="en-US" dirty="0"/>
           </a:p>
@@ -12405,21 +12523,59 @@
           <a:lstStyle/>
           <a:p>
             <a:r>
+              <a:rPr lang="en-US" altLang="zh-TW" b="1" dirty="0"/>
+              <a:t>SQL</a:t>
+            </a:r>
+            <a:r>
+              <a:rPr lang="zh-TW" altLang="en-US" b="1" dirty="0"/>
+              <a:t>注入</a:t>
+            </a:r>
+            <a:r>
               <a:rPr lang="zh-TW" altLang="en-US" dirty="0"/>
-              <a:t>使用</a:t>
-            </a:r>
-            <a:r>
-              <a:rPr lang="en-US" altLang="zh-TW" dirty="0" err="1"/>
-              <a:t>DataReader</a:t>
+              <a:t>也稱</a:t>
+            </a:r>
+            <a:r>
+              <a:rPr lang="en-US" altLang="zh-TW" b="1" dirty="0"/>
+              <a:t>SQL</a:t>
+            </a:r>
+            <a:r>
+              <a:rPr lang="zh-TW" altLang="en-US" b="1" dirty="0"/>
+              <a:t>隱碼</a:t>
             </a:r>
             <a:r>
               <a:rPr lang="zh-TW" altLang="en-US" dirty="0"/>
-              <a:t>讀取資料渲染成</a:t>
+              <a:t>或</a:t>
+            </a:r>
+            <a:r>
+              <a:rPr lang="en-US" altLang="zh-TW" b="1" dirty="0"/>
+              <a:t>SQL</a:t>
+            </a:r>
+            <a:r>
+              <a:rPr lang="zh-TW" altLang="en-US" b="1" dirty="0"/>
+              <a:t>注碼</a:t>
+            </a:r>
+            <a:r>
+              <a:rPr lang="zh-TW" altLang="en-US" dirty="0"/>
+              <a:t>，是發生於應用程式與資料庫層的安全漏洞。簡而言之，是在輸入的字串之中夾帶</a:t>
             </a:r>
             <a:r>
               <a:rPr lang="en-US" altLang="zh-TW" dirty="0"/>
-              <a:t>table</a:t>
-            </a:r>
+              <a:t>SQL</a:t>
+            </a:r>
+            <a:r>
+              <a:rPr lang="zh-TW" altLang="en-US" dirty="0"/>
+              <a:t>指令，在設計不良的程式當中忽略了字元檢查，那麼這些夾帶進去的惡意指令就會被資料庫伺服器誤認為是正常的</a:t>
+            </a:r>
+            <a:r>
+              <a:rPr lang="en-US" altLang="zh-TW" dirty="0"/>
+              <a:t>SQL</a:t>
+            </a:r>
+            <a:r>
+              <a:rPr lang="zh-TW" altLang="en-US" dirty="0"/>
+              <a:t>指令而執行，因此遭到破壞或是入侵。</a:t>
+            </a:r>
+          </a:p>
+          <a:p>
             <a:endParaRPr lang="zh-TW" altLang="en-US" dirty="0"/>
           </a:p>
         </p:txBody>
@@ -12427,7 +12583,7 @@
     </p:spTree>
     <p:extLst>
       <p:ext uri="{BB962C8B-B14F-4D97-AF65-F5344CB8AC3E}">
-        <p14:creationId xmlns:p14="http://schemas.microsoft.com/office/powerpoint/2010/main" val="1951020292"/>
+        <p14:creationId xmlns:p14="http://schemas.microsoft.com/office/powerpoint/2010/main" val="3418259007"/>
       </p:ext>
     </p:extLst>
   </p:cSld>
@@ -12466,28 +12622,9 @@
           <a:chExt cx="0" cy="0"/>
         </a:xfrm>
       </p:grpSpPr>
-      <p:sp>
-        <p:nvSpPr>
-          <p:cNvPr id="2" name="標題 1"/>
-          <p:cNvSpPr>
-            <a:spLocks noGrp="1"/>
-          </p:cNvSpPr>
-          <p:nvPr>
-            <p:ph type="title"/>
-          </p:nvPr>
-        </p:nvSpPr>
-        <p:spPr/>
-        <p:txBody>
-          <a:bodyPr/>
-          <a:lstStyle/>
-          <a:p>
-            <a:endParaRPr lang="zh-TW" altLang="en-US"/>
-          </a:p>
-        </p:txBody>
-      </p:sp>
       <p:pic>
         <p:nvPicPr>
-          <p:cNvPr id="4" name="圖片 3" descr="畫面剪輯"/>
+          <p:cNvPr id="7" name="圖片 6" descr="畫面剪輯"/>
           <p:cNvPicPr>
             <a:picLocks noChangeAspect="1"/>
           </p:cNvPicPr>
@@ -12507,18 +12644,172 @@
         </p:blipFill>
         <p:spPr>
           <a:xfrm>
-            <a:off x="615462" y="81851"/>
-            <a:ext cx="10831242" cy="6573926"/>
+            <a:off x="725492" y="2659568"/>
+            <a:ext cx="10774373" cy="2708787"/>
           </a:xfrm>
           <a:prstGeom prst="rect">
             <a:avLst/>
           </a:prstGeom>
         </p:spPr>
       </p:pic>
+      <p:sp>
+        <p:nvSpPr>
+          <p:cNvPr id="2" name="標題 1"/>
+          <p:cNvSpPr>
+            <a:spLocks noGrp="1"/>
+          </p:cNvSpPr>
+          <p:nvPr>
+            <p:ph type="title"/>
+          </p:nvPr>
+        </p:nvSpPr>
+        <p:spPr/>
+        <p:txBody>
+          <a:bodyPr/>
+          <a:lstStyle/>
+          <a:p>
+            <a:r>
+              <a:rPr lang="en-US" altLang="zh-TW" dirty="0" smtClean="0"/>
+              <a:t>SQL injection</a:t>
+            </a:r>
+            <a:r>
+              <a:rPr lang="zh-TW" altLang="en-US" dirty="0" smtClean="0"/>
+              <a:t> 範例</a:t>
+            </a:r>
+            <a:endParaRPr lang="zh-TW" altLang="en-US" dirty="0"/>
+          </a:p>
+        </p:txBody>
+      </p:sp>
+      <p:sp>
+        <p:nvSpPr>
+          <p:cNvPr id="3" name="內容版面配置區 2"/>
+          <p:cNvSpPr>
+            <a:spLocks noGrp="1"/>
+          </p:cNvSpPr>
+          <p:nvPr>
+            <p:ph idx="1"/>
+          </p:nvPr>
+        </p:nvSpPr>
+        <p:spPr/>
+        <p:txBody>
+          <a:bodyPr/>
+          <a:lstStyle/>
+          <a:p>
+            <a:r>
+              <a:rPr lang="zh-TW" altLang="en-US" dirty="0"/>
+              <a:t>使用</a:t>
+            </a:r>
+            <a:r>
+              <a:rPr lang="en-US" altLang="zh-TW" dirty="0" err="1"/>
+              <a:t>DataReader</a:t>
+            </a:r>
+            <a:r>
+              <a:rPr lang="zh-TW" altLang="en-US" dirty="0"/>
+              <a:t>讀取資料渲染成</a:t>
+            </a:r>
+            <a:r>
+              <a:rPr lang="en-US" altLang="zh-TW" dirty="0"/>
+              <a:t>table</a:t>
+            </a:r>
+            <a:endParaRPr lang="zh-TW" altLang="en-US" dirty="0"/>
+          </a:p>
+        </p:txBody>
+      </p:sp>
+      <p:sp>
+        <p:nvSpPr>
+          <p:cNvPr id="5" name="矩形 4"/>
+          <p:cNvSpPr/>
+          <p:nvPr/>
+        </p:nvSpPr>
+        <p:spPr>
+          <a:xfrm>
+            <a:off x="1223930" y="3763657"/>
+            <a:ext cx="4209716" cy="500611"/>
+          </a:xfrm>
+          <a:prstGeom prst="rect">
+            <a:avLst/>
+          </a:prstGeom>
+          <a:noFill/>
+          <a:ln w="28575">
+            <a:solidFill>
+              <a:srgbClr val="FF0000"/>
+            </a:solidFill>
+          </a:ln>
+        </p:spPr>
+        <p:style>
+          <a:lnRef idx="2">
+            <a:schemeClr val="accent1">
+              <a:shade val="50000"/>
+            </a:schemeClr>
+          </a:lnRef>
+          <a:fillRef idx="1">
+            <a:schemeClr val="accent1"/>
+          </a:fillRef>
+          <a:effectRef idx="0">
+            <a:schemeClr val="accent1"/>
+          </a:effectRef>
+          <a:fontRef idx="minor">
+            <a:schemeClr val="lt1"/>
+          </a:fontRef>
+        </p:style>
+        <p:txBody>
+          <a:bodyPr rtlCol="0" anchor="ctr"/>
+          <a:lstStyle/>
+          <a:p>
+            <a:pPr algn="ctr"/>
+            <a:endParaRPr lang="zh-TW" altLang="en-US"/>
+          </a:p>
+        </p:txBody>
+      </p:sp>
+      <p:sp>
+        <p:nvSpPr>
+          <p:cNvPr id="6" name="矩形 5"/>
+          <p:cNvSpPr/>
+          <p:nvPr/>
+        </p:nvSpPr>
+        <p:spPr>
+          <a:xfrm>
+            <a:off x="8853854" y="3168711"/>
+            <a:ext cx="1635369" cy="500611"/>
+          </a:xfrm>
+          <a:prstGeom prst="rect">
+            <a:avLst/>
+          </a:prstGeom>
+          <a:noFill/>
+          <a:ln w="28575">
+            <a:solidFill>
+              <a:srgbClr val="FF0000"/>
+            </a:solidFill>
+          </a:ln>
+        </p:spPr>
+        <p:style>
+          <a:lnRef idx="2">
+            <a:schemeClr val="accent1">
+              <a:shade val="50000"/>
+            </a:schemeClr>
+          </a:lnRef>
+          <a:fillRef idx="1">
+            <a:schemeClr val="accent1"/>
+          </a:fillRef>
+          <a:effectRef idx="0">
+            <a:schemeClr val="accent1"/>
+          </a:effectRef>
+          <a:fontRef idx="minor">
+            <a:schemeClr val="lt1"/>
+          </a:fontRef>
+        </p:style>
+        <p:txBody>
+          <a:bodyPr rtlCol="0" anchor="ctr"/>
+          <a:lstStyle/>
+          <a:p>
+            <a:pPr algn="ctr"/>
+            <a:endParaRPr lang="zh-TW" altLang="en-US"/>
+          </a:p>
+        </p:txBody>
+      </p:sp>
     </p:spTree>
     <p:extLst>
       <p:ext uri="{BB962C8B-B14F-4D97-AF65-F5344CB8AC3E}">
-        <p14:creationId xmlns:p14="http://schemas.microsoft.com/office/powerpoint/2010/main" val="2266772393"/>
+        <p14:creationId xmlns:p14="http://schemas.microsoft.com/office/powerpoint/2010/main" val="1951020292"/>
       </p:ext>
     </p:extLst>
   </p:cSld>
@@ -12572,13 +12863,21 @@
           <a:bodyPr/>
           <a:lstStyle/>
           <a:p>
-            <a:endParaRPr lang="zh-TW" altLang="en-US"/>
+            <a:r>
+              <a:rPr lang="en-US" altLang="zh-TW" dirty="0"/>
+              <a:t>SQL injection</a:t>
+            </a:r>
+            <a:r>
+              <a:rPr lang="zh-TW" altLang="en-US" dirty="0"/>
+              <a:t> 範例</a:t>
+            </a:r>
+            <a:endParaRPr lang="zh-TW" altLang="en-US" dirty="0"/>
           </a:p>
         </p:txBody>
       </p:sp>
       <p:pic>
         <p:nvPicPr>
-          <p:cNvPr id="4" name="內容版面配置區 3" descr="畫面剪輯"/>
+          <p:cNvPr id="5" name="內容版面配置區 3" descr="畫面剪輯"/>
           <p:cNvPicPr>
             <a:picLocks noGrp="1" noChangeAspect="1"/>
           </p:cNvPicPr>
@@ -12600,15 +12899,15 @@
         </p:blipFill>
         <p:spPr>
           <a:xfrm>
-            <a:off x="2749438" y="2648032"/>
-            <a:ext cx="2495898" cy="1457528"/>
+            <a:off x="1223930" y="1953439"/>
+            <a:ext cx="4284408" cy="2501963"/>
           </a:xfrm>
         </p:spPr>
       </p:pic>
     </p:spTree>
     <p:extLst>
       <p:ext uri="{BB962C8B-B14F-4D97-AF65-F5344CB8AC3E}">
-        <p14:creationId xmlns:p14="http://schemas.microsoft.com/office/powerpoint/2010/main" val="411970294"/>
+        <p14:creationId xmlns:p14="http://schemas.microsoft.com/office/powerpoint/2010/main" val="2266772393"/>
       </p:ext>
     </p:extLst>
   </p:cSld>
@@ -12663,44 +12962,88 @@
           <a:lstStyle/>
           <a:p>
             <a:r>
-              <a:rPr lang="en-US" altLang="zh-TW" dirty="0" smtClean="0"/>
-              <a:t>dataset</a:t>
+              <a:rPr lang="zh-TW" altLang="en-US" dirty="0" smtClean="0"/>
+              <a:t>使用</a:t>
+            </a:r>
+            <a:r>
+              <a:rPr lang="zh-TW" altLang="en-US" dirty="0"/>
+              <a:t>存於</a:t>
+            </a:r>
+            <a:r>
+              <a:rPr lang="en-US" altLang="zh-TW" dirty="0" err="1" smtClean="0"/>
+              <a:t>web.config</a:t>
+            </a:r>
+            <a:r>
+              <a:rPr lang="zh-TW" altLang="en-US" dirty="0" smtClean="0"/>
+              <a:t>的連線字串</a:t>
             </a:r>
             <a:endParaRPr lang="zh-TW" altLang="en-US" dirty="0"/>
           </a:p>
         </p:txBody>
       </p:sp>
-      <p:sp>
-        <p:nvSpPr>
-          <p:cNvPr id="3" name="內容版面配置區 2"/>
-          <p:cNvSpPr>
-            <a:spLocks noGrp="1"/>
-          </p:cNvSpPr>
+      <p:pic>
+        <p:nvPicPr>
+          <p:cNvPr id="8" name="內容版面配置區 7" descr="畫面剪輯"/>
+          <p:cNvPicPr>
+            <a:picLocks noGrp="1" noChangeAspect="1"/>
+          </p:cNvPicPr>
           <p:nvPr>
             <p:ph idx="1"/>
           </p:nvPr>
-        </p:nvSpPr>
-        <p:spPr/>
-        <p:txBody>
-          <a:bodyPr/>
-          <a:lstStyle/>
-          <a:p>
-            <a:r>
-              <a:rPr lang="zh-TW" altLang="en-US" dirty="0" smtClean="0"/>
-              <a:t>圖</a:t>
-            </a:r>
-            <a:r>
-              <a:rPr lang="en-US" altLang="zh-TW" dirty="0" smtClean="0"/>
-              <a:t>14-41</a:t>
-            </a:r>
-            <a:endParaRPr lang="zh-TW" altLang="en-US" dirty="0"/>
-          </a:p>
-        </p:txBody>
-      </p:sp>
+        </p:nvPicPr>
+        <p:blipFill>
+          <a:blip r:embed="rId2">
+            <a:extLst>
+              <a:ext uri="{28A0092B-C50C-407E-A947-70E740481C1C}">
+                <a14:useLocalDpi xmlns:a14="http://schemas.microsoft.com/office/drawing/2010/main" val="0"/>
+              </a:ext>
+            </a:extLst>
+          </a:blip>
+          <a:stretch>
+            <a:fillRect/>
+          </a:stretch>
+        </p:blipFill>
+        <p:spPr>
+          <a:xfrm>
+            <a:off x="256337" y="1554162"/>
+            <a:ext cx="11737103" cy="2164822"/>
+          </a:xfrm>
+        </p:spPr>
+      </p:pic>
+      <p:pic>
+        <p:nvPicPr>
+          <p:cNvPr id="9" name="圖片 8" descr="畫面剪輯"/>
+          <p:cNvPicPr>
+            <a:picLocks noChangeAspect="1"/>
+          </p:cNvPicPr>
+          <p:nvPr/>
+        </p:nvPicPr>
+        <p:blipFill>
+          <a:blip r:embed="rId3">
+            <a:extLst>
+              <a:ext uri="{28A0092B-C50C-407E-A947-70E740481C1C}">
+                <a14:useLocalDpi xmlns:a14="http://schemas.microsoft.com/office/drawing/2010/main" val="0"/>
+              </a:ext>
+            </a:extLst>
+          </a:blip>
+          <a:stretch>
+            <a:fillRect/>
+          </a:stretch>
+        </p:blipFill>
+        <p:spPr>
+          <a:xfrm>
+            <a:off x="237949" y="4196005"/>
+            <a:ext cx="11755491" cy="1771897"/>
+          </a:xfrm>
+          <a:prstGeom prst="rect">
+            <a:avLst/>
+          </a:prstGeom>
+        </p:spPr>
+      </p:pic>
     </p:spTree>
     <p:extLst>
       <p:ext uri="{BB962C8B-B14F-4D97-AF65-F5344CB8AC3E}">
-        <p14:creationId xmlns:p14="http://schemas.microsoft.com/office/powerpoint/2010/main" val="3770456208"/>
+        <p14:creationId xmlns:p14="http://schemas.microsoft.com/office/powerpoint/2010/main" val="1936170746"/>
       </p:ext>
     </p:extLst>
   </p:cSld>
@@ -14494,40 +14837,59 @@
           <a:lstStyle/>
           <a:p>
             <a:r>
-              <a:rPr lang="en-US" altLang="zh-TW" dirty="0"/>
-              <a:t>dataset</a:t>
+              <a:rPr lang="zh-TW" altLang="en-US" dirty="0" smtClean="0"/>
+              <a:t>使用</a:t>
+            </a:r>
+            <a:r>
+              <a:rPr lang="en-US" altLang="zh-TW" dirty="0" err="1" smtClean="0"/>
+              <a:t>DataAdapter</a:t>
+            </a:r>
+            <a:r>
+              <a:rPr lang="en-US" altLang="zh-TW" dirty="0" smtClean="0"/>
+              <a:t> + Dataset</a:t>
+            </a:r>
+            <a:r>
+              <a:rPr lang="zh-TW" altLang="en-US" dirty="0" smtClean="0"/>
+              <a:t>取得資料</a:t>
             </a:r>
             <a:endParaRPr lang="zh-TW" altLang="en-US" dirty="0"/>
           </a:p>
         </p:txBody>
       </p:sp>
-      <p:sp>
-        <p:nvSpPr>
-          <p:cNvPr id="3" name="內容版面配置區 2"/>
-          <p:cNvSpPr>
-            <a:spLocks noGrp="1"/>
-          </p:cNvSpPr>
-          <p:nvPr>
-            <p:ph idx="1"/>
-          </p:nvPr>
-        </p:nvSpPr>
-        <p:spPr/>
-        <p:txBody>
-          <a:bodyPr/>
-          <a:lstStyle/>
-          <a:p>
-            <a:r>
-              <a:rPr lang="en-US" altLang="zh-TW" dirty="0" smtClean="0"/>
-              <a:t>fill</a:t>
-            </a:r>
-            <a:endParaRPr lang="zh-TW" altLang="en-US" dirty="0"/>
-          </a:p>
-        </p:txBody>
-      </p:sp>
+      <p:pic>
+        <p:nvPicPr>
+          <p:cNvPr id="5" name="圖片 4" descr="畫面剪輯"/>
+          <p:cNvPicPr>
+            <a:picLocks noChangeAspect="1"/>
+          </p:cNvPicPr>
+          <p:nvPr/>
+        </p:nvPicPr>
+        <p:blipFill>
+          <a:blip r:embed="rId2">
+            <a:extLst>
+              <a:ext uri="{28A0092B-C50C-407E-A947-70E740481C1C}">
+                <a14:useLocalDpi xmlns:a14="http://schemas.microsoft.com/office/drawing/2010/main" val="0"/>
+              </a:ext>
+            </a:extLst>
+          </a:blip>
+          <a:stretch>
+            <a:fillRect/>
+          </a:stretch>
+        </p:blipFill>
+        <p:spPr>
+          <a:xfrm>
+            <a:off x="1262519" y="0"/>
+            <a:ext cx="9666962" cy="6858000"/>
+          </a:xfrm>
+          <a:prstGeom prst="rect">
+            <a:avLst/>
+          </a:prstGeom>
+        </p:spPr>
+      </p:pic>
     </p:spTree>
     <p:extLst>
       <p:ext uri="{BB962C8B-B14F-4D97-AF65-F5344CB8AC3E}">
-        <p14:creationId xmlns:p14="http://schemas.microsoft.com/office/powerpoint/2010/main" val="1199046171"/>
+        <p14:creationId xmlns:p14="http://schemas.microsoft.com/office/powerpoint/2010/main" val="2729815930"/>
       </p:ext>
     </p:extLst>
   </p:cSld>
@@ -14582,8 +14944,8 @@
           <a:lstStyle/>
           <a:p>
             <a:r>
-              <a:rPr lang="en-US" altLang="zh-TW" dirty="0"/>
-              <a:t>dataset</a:t>
+              <a:rPr lang="zh-TW" altLang="en-US" dirty="0" smtClean="0"/>
+              <a:t>使用到物件</a:t>
             </a:r>
             <a:endParaRPr lang="zh-TW" altLang="en-US" dirty="0"/>
           </a:p>
@@ -14605,9 +14967,132 @@
           <a:lstStyle/>
           <a:p>
             <a:r>
-              <a:rPr lang="en-US" altLang="zh-TW" dirty="0" smtClean="0"/>
-              <a:t>update</a:t>
-            </a:r>
+              <a:rPr lang="en-US" altLang="zh-TW" dirty="0" err="1" smtClean="0"/>
+              <a:t>SqlConnection</a:t>
+            </a:r>
+            <a:endParaRPr lang="en-US" altLang="zh-TW" dirty="0" smtClean="0"/>
+          </a:p>
+          <a:p>
+            <a:pPr lvl="1"/>
+            <a:r>
+              <a:rPr lang="zh-TW" altLang="en-US" dirty="0" smtClean="0"/>
+              <a:t>表示</a:t>
+            </a:r>
+            <a:r>
+              <a:rPr lang="zh-TW" altLang="en-US" dirty="0"/>
+              <a:t>對 </a:t>
+            </a:r>
+            <a:r>
+              <a:rPr lang="en-US" altLang="zh-TW" dirty="0"/>
+              <a:t>SQL Server </a:t>
+            </a:r>
+            <a:r>
+              <a:rPr lang="zh-TW" altLang="en-US" dirty="0"/>
+              <a:t>資料庫的</a:t>
+            </a:r>
+            <a:r>
+              <a:rPr lang="zh-TW" altLang="en-US" dirty="0" smtClean="0"/>
+              <a:t>連線</a:t>
+            </a:r>
+            <a:endParaRPr lang="en-US" altLang="zh-TW" dirty="0" smtClean="0"/>
+          </a:p>
+          <a:p>
+            <a:r>
+              <a:rPr lang="en-US" altLang="zh-TW" dirty="0" err="1" smtClean="0"/>
+              <a:t>SqlCommand</a:t>
+            </a:r>
+            <a:endParaRPr lang="en-US" altLang="zh-TW" dirty="0" smtClean="0"/>
+          </a:p>
+          <a:p>
+            <a:pPr lvl="1"/>
+            <a:r>
+              <a:rPr lang="zh-TW" altLang="en-US" dirty="0"/>
+              <a:t>表示要對 </a:t>
+            </a:r>
+            <a:r>
+              <a:rPr lang="en-US" altLang="zh-TW" dirty="0"/>
+              <a:t>SQL Server </a:t>
+            </a:r>
+            <a:r>
+              <a:rPr lang="zh-TW" altLang="en-US" dirty="0"/>
+              <a:t>資料庫執行的 </a:t>
+            </a:r>
+            <a:r>
+              <a:rPr lang="en-US" altLang="zh-TW" dirty="0"/>
+              <a:t>Transact-SQL </a:t>
+            </a:r>
+            <a:r>
+              <a:rPr lang="zh-TW" altLang="en-US" dirty="0"/>
+              <a:t>陳述式或預存程序</a:t>
+            </a:r>
+            <a:r>
+              <a:rPr lang="zh-TW" altLang="en-US" dirty="0" smtClean="0"/>
+              <a:t>。</a:t>
+            </a:r>
+            <a:endParaRPr lang="en-US" altLang="zh-TW" dirty="0" smtClean="0"/>
+          </a:p>
+          <a:p>
+            <a:r>
+              <a:rPr lang="en-US" altLang="zh-TW" dirty="0" err="1"/>
+              <a:t>DataReader</a:t>
+            </a:r>
+            <a:endParaRPr lang="zh-TW" altLang="en-US" dirty="0"/>
+          </a:p>
+          <a:p>
+            <a:pPr lvl="1"/>
+            <a:r>
+              <a:rPr lang="zh-TW" altLang="en-US" dirty="0"/>
+              <a:t>提供從 </a:t>
+            </a:r>
+            <a:r>
+              <a:rPr lang="en-US" altLang="zh-TW" dirty="0"/>
+              <a:t>SQL Server </a:t>
+            </a:r>
+            <a:r>
+              <a:rPr lang="zh-TW" altLang="en-US" dirty="0"/>
+              <a:t>資料庫中讀取順向資料流資料列的</a:t>
+            </a:r>
+            <a:r>
+              <a:rPr lang="zh-TW" altLang="en-US" dirty="0" smtClean="0"/>
+              <a:t>方式</a:t>
+            </a:r>
+            <a:endParaRPr lang="en-US" altLang="zh-TW" dirty="0" smtClean="0"/>
+          </a:p>
+          <a:p>
+            <a:r>
+              <a:rPr lang="en-US" altLang="zh-TW" dirty="0" err="1" smtClean="0"/>
+              <a:t>DataAdapter</a:t>
+            </a:r>
+            <a:endParaRPr lang="en-US" altLang="zh-TW" dirty="0" smtClean="0"/>
+          </a:p>
+          <a:p>
+            <a:pPr lvl="1"/>
+            <a:r>
+              <a:rPr lang="zh-TW" altLang="en-US" dirty="0"/>
+              <a:t>代表一組 </a:t>
+            </a:r>
+            <a:r>
+              <a:rPr lang="en-US" altLang="zh-TW" dirty="0"/>
+              <a:t>SQL </a:t>
+            </a:r>
+            <a:r>
+              <a:rPr lang="zh-TW" altLang="en-US" dirty="0"/>
+              <a:t>命令和一個資料庫連接，用來填入 </a:t>
+            </a:r>
+            <a:r>
+              <a:rPr lang="en-US" altLang="zh-TW" dirty="0" err="1">
+                <a:hlinkClick r:id="rId2"/>
+              </a:rPr>
+              <a:t>DataSet</a:t>
+            </a:r>
+            <a:r>
+              <a:rPr lang="zh-TW" altLang="en-US" dirty="0"/>
+              <a:t> 並更新資料來源。</a:t>
+            </a:r>
+            <a:endParaRPr lang="zh-TW" altLang="en-US" dirty="0"/>
+          </a:p>
+          <a:p>
+            <a:pPr lvl="1"/>
             <a:endParaRPr lang="zh-TW" altLang="en-US" dirty="0"/>
           </a:p>
         </p:txBody>
@@ -14615,7 +15100,7 @@
     </p:spTree>
     <p:extLst>
       <p:ext uri="{BB962C8B-B14F-4D97-AF65-F5344CB8AC3E}">
-        <p14:creationId xmlns:p14="http://schemas.microsoft.com/office/powerpoint/2010/main" val="2629029407"/>
+        <p14:creationId xmlns:p14="http://schemas.microsoft.com/office/powerpoint/2010/main" val="2877050997"/>
       </p:ext>
     </p:extLst>
   </p:cSld>
@@ -14670,8 +15155,8 @@
           <a:lstStyle/>
           <a:p>
             <a:r>
-              <a:rPr lang="en-US" altLang="zh-TW" dirty="0" smtClean="0"/>
-              <a:t>Dataset</a:t>
+              <a:rPr lang="en-US" altLang="zh-TW" dirty="0" err="1" smtClean="0"/>
+              <a:t>DataSet</a:t>
             </a:r>
             <a:r>
               <a:rPr lang="zh-TW" altLang="en-US" dirty="0" smtClean="0"/>
@@ -14681,49 +15166,34 @@
           </a:p>
         </p:txBody>
       </p:sp>
-      <p:sp>
-        <p:nvSpPr>
-          <p:cNvPr id="3" name="內容版面配置區 2"/>
-          <p:cNvSpPr>
-            <a:spLocks noGrp="1"/>
-          </p:cNvSpPr>
+      <p:pic>
+        <p:nvPicPr>
+          <p:cNvPr id="4" name="內容版面配置區 3" descr="畫面剪輯"/>
+          <p:cNvPicPr>
+            <a:picLocks noGrp="1" noChangeAspect="1"/>
+          </p:cNvPicPr>
           <p:nvPr>
             <p:ph idx="1"/>
           </p:nvPr>
-        </p:nvSpPr>
-        <p:spPr/>
-        <p:txBody>
-          <a:bodyPr/>
-          <a:lstStyle/>
-          <a:p>
-            <a:r>
-              <a:rPr lang="en-US" altLang="zh-TW" dirty="0" smtClean="0"/>
-              <a:t>Dataset</a:t>
-            </a:r>
-          </a:p>
-          <a:p>
-            <a:r>
-              <a:rPr lang="en-US" altLang="zh-TW" dirty="0" err="1" smtClean="0"/>
-              <a:t>Datatable</a:t>
-            </a:r>
-            <a:endParaRPr lang="en-US" altLang="zh-TW" dirty="0" smtClean="0"/>
-          </a:p>
-          <a:p>
-            <a:r>
-              <a:rPr lang="en-US" altLang="zh-TW" dirty="0" err="1" smtClean="0"/>
-              <a:t>Datarow</a:t>
-            </a:r>
-            <a:endParaRPr lang="en-US" altLang="zh-TW" dirty="0" smtClean="0"/>
-          </a:p>
-          <a:p>
-            <a:r>
-              <a:rPr lang="en-US" altLang="zh-TW" dirty="0" err="1"/>
-              <a:t>datacolumn</a:t>
-            </a:r>
-            <a:endParaRPr lang="zh-TW" altLang="en-US" dirty="0"/>
-          </a:p>
-        </p:txBody>
-      </p:sp>
+        </p:nvPicPr>
+        <p:blipFill rotWithShape="1">
+          <a:blip r:embed="rId2">
+            <a:extLst>
+              <a:ext uri="{28A0092B-C50C-407E-A947-70E740481C1C}">
+                <a14:useLocalDpi xmlns:a14="http://schemas.microsoft.com/office/drawing/2010/main" val="0"/>
+              </a:ext>
+            </a:extLst>
+          </a:blip>
+          <a:srcRect b="2124"/>
+          <a:stretch/>
+        </p:blipFill>
+        <p:spPr>
+          <a:xfrm>
+            <a:off x="3165232" y="1491517"/>
+            <a:ext cx="5147606" cy="5102714"/>
+          </a:xfrm>
+        </p:spPr>
+      </p:pic>
     </p:spTree>
     <p:extLst>
       <p:ext uri="{BB962C8B-B14F-4D97-AF65-F5344CB8AC3E}">
@@ -14782,8 +15252,12 @@
           <a:lstStyle/>
           <a:p>
             <a:r>
-              <a:rPr lang="en-US" altLang="zh-TW" dirty="0" err="1"/>
-              <a:t>Datatable</a:t>
+              <a:rPr lang="en-US" altLang="zh-TW" dirty="0" err="1" smtClean="0"/>
+              <a:t>DataSet</a:t>
+            </a:r>
+            <a:r>
+              <a:rPr lang="zh-TW" altLang="en-US" dirty="0"/>
+              <a:t>結構</a:t>
             </a:r>
             <a:endParaRPr lang="zh-TW" altLang="en-US" dirty="0"/>
           </a:p>
@@ -14805,23 +15279,722 @@
           <a:lstStyle/>
           <a:p>
             <a:r>
+              <a:rPr lang="zh-TW" altLang="en-US" dirty="0" smtClean="0"/>
+              <a:t>想像類似</a:t>
+            </a:r>
+            <a:r>
               <a:rPr lang="en-US" altLang="zh-TW" dirty="0" smtClean="0"/>
-              <a:t>Select</a:t>
-            </a:r>
-          </a:p>
-          <a:p>
+              <a:t>excel</a:t>
+            </a:r>
+            <a:r>
+              <a:rPr lang="zh-TW" altLang="en-US" dirty="0" smtClean="0"/>
+              <a:t>格式</a:t>
+            </a:r>
+            <a:endParaRPr lang="en-US" altLang="zh-TW" dirty="0" smtClean="0"/>
+          </a:p>
+          <a:p>
+            <a:pPr lvl="1"/>
             <a:r>
               <a:rPr lang="en-US" altLang="zh-TW" dirty="0"/>
-              <a:t>compute</a:t>
+              <a:t>Dataset</a:t>
+            </a:r>
+          </a:p>
+          <a:p>
+            <a:pPr lvl="1"/>
+            <a:r>
+              <a:rPr lang="en-US" altLang="zh-TW" dirty="0" err="1" smtClean="0"/>
+              <a:t>DataTable</a:t>
+            </a:r>
+            <a:endParaRPr lang="en-US" altLang="zh-TW" dirty="0"/>
+          </a:p>
+          <a:p>
+            <a:pPr lvl="1"/>
+            <a:r>
+              <a:rPr lang="en-US" altLang="zh-TW" dirty="0" err="1" smtClean="0"/>
+              <a:t>DataRow</a:t>
+            </a:r>
+            <a:endParaRPr lang="en-US" altLang="zh-TW" dirty="0"/>
+          </a:p>
+          <a:p>
+            <a:pPr lvl="1"/>
+            <a:r>
+              <a:rPr lang="en-US" altLang="zh-TW" dirty="0" err="1" smtClean="0"/>
+              <a:t>DataColumn</a:t>
             </a:r>
             <a:endParaRPr lang="zh-TW" altLang="en-US" dirty="0"/>
+          </a:p>
+          <a:p>
+            <a:endParaRPr lang="zh-TW" altLang="en-US" dirty="0"/>
+          </a:p>
+        </p:txBody>
+      </p:sp>
+      <p:pic>
+        <p:nvPicPr>
+          <p:cNvPr id="4" name="圖片 3" descr="畫面剪輯"/>
+          <p:cNvPicPr>
+            <a:picLocks noChangeAspect="1"/>
+          </p:cNvPicPr>
+          <p:nvPr/>
+        </p:nvPicPr>
+        <p:blipFill>
+          <a:blip r:embed="rId2">
+            <a:extLst>
+              <a:ext uri="{28A0092B-C50C-407E-A947-70E740481C1C}">
+                <a14:useLocalDpi xmlns:a14="http://schemas.microsoft.com/office/drawing/2010/main" val="0"/>
+              </a:ext>
+            </a:extLst>
+          </a:blip>
+          <a:stretch>
+            <a:fillRect/>
+          </a:stretch>
+        </p:blipFill>
+        <p:spPr>
+          <a:xfrm>
+            <a:off x="5751968" y="1996036"/>
+            <a:ext cx="4477356" cy="3410729"/>
+          </a:xfrm>
+          <a:prstGeom prst="rect">
+            <a:avLst/>
+          </a:prstGeom>
+        </p:spPr>
+      </p:pic>
+      <p:sp>
+        <p:nvSpPr>
+          <p:cNvPr id="5" name="矩形 4"/>
+          <p:cNvSpPr/>
+          <p:nvPr/>
+        </p:nvSpPr>
+        <p:spPr>
+          <a:xfrm>
+            <a:off x="6822830" y="4677508"/>
+            <a:ext cx="2620108" cy="404446"/>
+          </a:xfrm>
+          <a:prstGeom prst="rect">
+            <a:avLst/>
+          </a:prstGeom>
+          <a:noFill/>
+          <a:ln w="38100">
+            <a:solidFill>
+              <a:srgbClr val="FF0000"/>
+            </a:solidFill>
+          </a:ln>
+        </p:spPr>
+        <p:style>
+          <a:lnRef idx="2">
+            <a:schemeClr val="accent1">
+              <a:shade val="50000"/>
+            </a:schemeClr>
+          </a:lnRef>
+          <a:fillRef idx="1">
+            <a:schemeClr val="accent1"/>
+          </a:fillRef>
+          <a:effectRef idx="0">
+            <a:schemeClr val="accent1"/>
+          </a:effectRef>
+          <a:fontRef idx="minor">
+            <a:schemeClr val="lt1"/>
+          </a:fontRef>
+        </p:style>
+        <p:txBody>
+          <a:bodyPr rtlCol="0" anchor="ctr"/>
+          <a:lstStyle/>
+          <a:p>
+            <a:pPr algn="ctr"/>
+            <a:endParaRPr lang="zh-TW" altLang="en-US"/>
+          </a:p>
+        </p:txBody>
+      </p:sp>
+      <p:sp>
+        <p:nvSpPr>
+          <p:cNvPr id="6" name="矩形 5"/>
+          <p:cNvSpPr/>
+          <p:nvPr/>
+        </p:nvSpPr>
+        <p:spPr>
+          <a:xfrm>
+            <a:off x="6822830" y="2540976"/>
+            <a:ext cx="1837593" cy="668216"/>
+          </a:xfrm>
+          <a:prstGeom prst="rect">
+            <a:avLst/>
+          </a:prstGeom>
+          <a:noFill/>
+          <a:ln w="38100">
+            <a:solidFill>
+              <a:srgbClr val="FF0000"/>
+            </a:solidFill>
+          </a:ln>
+        </p:spPr>
+        <p:style>
+          <a:lnRef idx="2">
+            <a:schemeClr val="accent1">
+              <a:shade val="50000"/>
+            </a:schemeClr>
+          </a:lnRef>
+          <a:fillRef idx="1">
+            <a:schemeClr val="accent1"/>
+          </a:fillRef>
+          <a:effectRef idx="0">
+            <a:schemeClr val="accent1"/>
+          </a:effectRef>
+          <a:fontRef idx="minor">
+            <a:schemeClr val="lt1"/>
+          </a:fontRef>
+        </p:style>
+        <p:txBody>
+          <a:bodyPr rtlCol="0" anchor="ctr"/>
+          <a:lstStyle/>
+          <a:p>
+            <a:pPr algn="ctr"/>
+            <a:endParaRPr lang="zh-TW" altLang="en-US"/>
+          </a:p>
+        </p:txBody>
+      </p:sp>
+      <p:sp>
+        <p:nvSpPr>
+          <p:cNvPr id="7" name="矩形 6"/>
+          <p:cNvSpPr/>
+          <p:nvPr/>
+        </p:nvSpPr>
+        <p:spPr>
+          <a:xfrm>
+            <a:off x="6013938" y="2838329"/>
+            <a:ext cx="2646485" cy="363416"/>
+          </a:xfrm>
+          <a:prstGeom prst="rect">
+            <a:avLst/>
+          </a:prstGeom>
+          <a:noFill/>
+          <a:ln w="38100">
+            <a:solidFill>
+              <a:srgbClr val="FF0000"/>
+            </a:solidFill>
+          </a:ln>
+        </p:spPr>
+        <p:style>
+          <a:lnRef idx="2">
+            <a:schemeClr val="accent1">
+              <a:shade val="50000"/>
+            </a:schemeClr>
+          </a:lnRef>
+          <a:fillRef idx="1">
+            <a:schemeClr val="accent1"/>
+          </a:fillRef>
+          <a:effectRef idx="0">
+            <a:schemeClr val="accent1"/>
+          </a:effectRef>
+          <a:fontRef idx="minor">
+            <a:schemeClr val="lt1"/>
+          </a:fontRef>
+        </p:style>
+        <p:txBody>
+          <a:bodyPr rtlCol="0" anchor="ctr"/>
+          <a:lstStyle/>
+          <a:p>
+            <a:pPr algn="ctr"/>
+            <a:endParaRPr lang="zh-TW" altLang="en-US"/>
+          </a:p>
+        </p:txBody>
+      </p:sp>
+      <p:sp>
+        <p:nvSpPr>
+          <p:cNvPr id="8" name="矩形 7"/>
+          <p:cNvSpPr/>
+          <p:nvPr/>
+        </p:nvSpPr>
+        <p:spPr>
+          <a:xfrm>
+            <a:off x="6822829" y="2540976"/>
+            <a:ext cx="800101" cy="1169377"/>
+          </a:xfrm>
+          <a:prstGeom prst="rect">
+            <a:avLst/>
+          </a:prstGeom>
+          <a:noFill/>
+          <a:ln w="38100">
+            <a:solidFill>
+              <a:srgbClr val="FF0000"/>
+            </a:solidFill>
+          </a:ln>
+        </p:spPr>
+        <p:style>
+          <a:lnRef idx="2">
+            <a:schemeClr val="accent1">
+              <a:shade val="50000"/>
+            </a:schemeClr>
+          </a:lnRef>
+          <a:fillRef idx="1">
+            <a:schemeClr val="accent1"/>
+          </a:fillRef>
+          <a:effectRef idx="0">
+            <a:schemeClr val="accent1"/>
+          </a:effectRef>
+          <a:fontRef idx="minor">
+            <a:schemeClr val="lt1"/>
+          </a:fontRef>
+        </p:style>
+        <p:txBody>
+          <a:bodyPr rtlCol="0" anchor="ctr"/>
+          <a:lstStyle/>
+          <a:p>
+            <a:pPr algn="ctr"/>
+            <a:endParaRPr lang="zh-TW" altLang="en-US"/>
           </a:p>
         </p:txBody>
       </p:sp>
     </p:spTree>
     <p:extLst>
       <p:ext uri="{BB962C8B-B14F-4D97-AF65-F5344CB8AC3E}">
+        <p14:creationId xmlns:p14="http://schemas.microsoft.com/office/powerpoint/2010/main" val="3770456208"/>
+      </p:ext>
+    </p:extLst>
+  </p:cSld>
+  <p:clrMapOvr>
+    <a:masterClrMapping/>
+  </p:clrMapOvr>
+  <mc:AlternateContent xmlns:mc="http://schemas.openxmlformats.org/markup-compatibility/2006" xmlns:p14="http://schemas.microsoft.com/office/powerpoint/2010/main">
+    <mc:Choice Requires="p14">
+      <p:transition spd="slow" p14:dur="1500">
+        <p:random/>
+      </p:transition>
+    </mc:Choice>
+    <mc:Fallback xmlns="">
+      <p:transition spd="slow">
+        <p:random/>
+      </p:transition>
+    </mc:Fallback>
+  </mc:AlternateContent>
+</p:sld>
+</file>
+
+<file path=ppt/slides/slide54.xml><?xml version="1.0" encoding="utf-8"?>
+<p:sld xmlns:a="http://schemas.openxmlformats.org/drawingml/2006/main" xmlns:r="http://schemas.openxmlformats.org/officeDocument/2006/relationships" xmlns:p="http://schemas.openxmlformats.org/presentationml/2006/main">
+  <p:cSld>
+    <p:spTree>
+      <p:nvGrpSpPr>
+        <p:cNvPr id="1" name=""/>
+        <p:cNvGrpSpPr/>
+        <p:nvPr/>
+      </p:nvGrpSpPr>
+      <p:grpSpPr>
+        <a:xfrm>
+          <a:off x="0" y="0"/>
+          <a:ext cx="0" cy="0"/>
+          <a:chOff x="0" y="0"/>
+          <a:chExt cx="0" cy="0"/>
+        </a:xfrm>
+      </p:grpSpPr>
+      <p:sp>
+        <p:nvSpPr>
+          <p:cNvPr id="2" name="標題 1"/>
+          <p:cNvSpPr>
+            <a:spLocks noGrp="1"/>
+          </p:cNvSpPr>
+          <p:nvPr>
+            <p:ph type="title"/>
+          </p:nvPr>
+        </p:nvSpPr>
+        <p:spPr/>
+        <p:txBody>
+          <a:bodyPr/>
+          <a:lstStyle/>
+          <a:p>
+            <a:r>
+              <a:rPr lang="zh-TW" altLang="en-US" dirty="0"/>
+              <a:t>在</a:t>
+            </a:r>
+            <a:r>
+              <a:rPr lang="en-US" altLang="zh-TW" dirty="0" err="1" smtClean="0"/>
+              <a:t>DataSet</a:t>
+            </a:r>
+            <a:r>
+              <a:rPr lang="en-US" altLang="zh-TW" dirty="0" smtClean="0"/>
+              <a:t>(</a:t>
+            </a:r>
+            <a:r>
+              <a:rPr lang="en-US" altLang="zh-TW" dirty="0" err="1" smtClean="0"/>
+              <a:t>DataTable</a:t>
+            </a:r>
+            <a:r>
+              <a:rPr lang="en-US" altLang="zh-TW" dirty="0" smtClean="0"/>
+              <a:t>)</a:t>
+            </a:r>
+            <a:r>
+              <a:rPr lang="zh-TW" altLang="en-US" dirty="0" smtClean="0"/>
+              <a:t>中</a:t>
+            </a:r>
+            <a:r>
+              <a:rPr lang="zh-TW" altLang="en-US" dirty="0"/>
+              <a:t>進行資料篩選</a:t>
+            </a:r>
+            <a:endParaRPr lang="zh-TW" altLang="en-US" dirty="0"/>
+          </a:p>
+        </p:txBody>
+      </p:sp>
+      <p:pic>
+        <p:nvPicPr>
+          <p:cNvPr id="5" name="圖片 4" descr="畫面剪輯"/>
+          <p:cNvPicPr>
+            <a:picLocks noChangeAspect="1"/>
+          </p:cNvPicPr>
+          <p:nvPr/>
+        </p:nvPicPr>
+        <p:blipFill rotWithShape="1">
+          <a:blip r:embed="rId2">
+            <a:extLst>
+              <a:ext uri="{28A0092B-C50C-407E-A947-70E740481C1C}">
+                <a14:useLocalDpi xmlns:a14="http://schemas.microsoft.com/office/drawing/2010/main" val="0"/>
+              </a:ext>
+            </a:extLst>
+          </a:blip>
+          <a:srcRect b="36154"/>
+          <a:stretch/>
+        </p:blipFill>
+        <p:spPr>
+          <a:xfrm>
+            <a:off x="846385" y="1406770"/>
+            <a:ext cx="10991066" cy="5125915"/>
+          </a:xfrm>
+          <a:prstGeom prst="rect">
+            <a:avLst/>
+          </a:prstGeom>
+        </p:spPr>
+      </p:pic>
+    </p:spTree>
+    <p:extLst>
+      <p:ext uri="{BB962C8B-B14F-4D97-AF65-F5344CB8AC3E}">
+        <p14:creationId xmlns:p14="http://schemas.microsoft.com/office/powerpoint/2010/main" val="1199046171"/>
+      </p:ext>
+    </p:extLst>
+  </p:cSld>
+  <p:clrMapOvr>
+    <a:masterClrMapping/>
+  </p:clrMapOvr>
+  <mc:AlternateContent xmlns:mc="http://schemas.openxmlformats.org/markup-compatibility/2006" xmlns:p14="http://schemas.microsoft.com/office/powerpoint/2010/main">
+    <mc:Choice Requires="p14">
+      <p:transition spd="slow" p14:dur="1500">
+        <p:random/>
+      </p:transition>
+    </mc:Choice>
+    <mc:Fallback xmlns="">
+      <p:transition spd="slow">
+        <p:random/>
+      </p:transition>
+    </mc:Fallback>
+  </mc:AlternateContent>
+</p:sld>
+</file>
+
+<file path=ppt/slides/slide55.xml><?xml version="1.0" encoding="utf-8"?>
+<p:sld xmlns:a="http://schemas.openxmlformats.org/drawingml/2006/main" xmlns:r="http://schemas.openxmlformats.org/officeDocument/2006/relationships" xmlns:p="http://schemas.openxmlformats.org/presentationml/2006/main">
+  <p:cSld>
+    <p:spTree>
+      <p:nvGrpSpPr>
+        <p:cNvPr id="1" name=""/>
+        <p:cNvGrpSpPr/>
+        <p:nvPr/>
+      </p:nvGrpSpPr>
+      <p:grpSpPr>
+        <a:xfrm>
+          <a:off x="0" y="0"/>
+          <a:ext cx="0" cy="0"/>
+          <a:chOff x="0" y="0"/>
+          <a:chExt cx="0" cy="0"/>
+        </a:xfrm>
+      </p:grpSpPr>
+      <p:sp>
+        <p:nvSpPr>
+          <p:cNvPr id="2" name="標題 1"/>
+          <p:cNvSpPr>
+            <a:spLocks noGrp="1"/>
+          </p:cNvSpPr>
+          <p:nvPr>
+            <p:ph type="title"/>
+          </p:nvPr>
+        </p:nvSpPr>
+        <p:spPr/>
+        <p:txBody>
+          <a:bodyPr/>
+          <a:lstStyle/>
+          <a:p>
+            <a:r>
+              <a:rPr lang="zh-TW" altLang="en-US" dirty="0" smtClean="0"/>
+              <a:t>在</a:t>
+            </a:r>
+            <a:r>
+              <a:rPr lang="en-US" altLang="zh-TW" dirty="0" err="1"/>
+              <a:t>DataSet</a:t>
+            </a:r>
+            <a:r>
+              <a:rPr lang="en-US" altLang="zh-TW" dirty="0"/>
+              <a:t>(</a:t>
+            </a:r>
+            <a:r>
+              <a:rPr lang="en-US" altLang="zh-TW" dirty="0" err="1"/>
+              <a:t>DataTable</a:t>
+            </a:r>
+            <a:r>
+              <a:rPr lang="en-US" altLang="zh-TW" dirty="0"/>
+              <a:t>)</a:t>
+            </a:r>
+            <a:r>
+              <a:rPr lang="zh-TW" altLang="en-US" dirty="0" smtClean="0"/>
+              <a:t>中</a:t>
+            </a:r>
+            <a:r>
+              <a:rPr lang="zh-TW" altLang="en-US" dirty="0"/>
+              <a:t>進行</a:t>
+            </a:r>
+            <a:r>
+              <a:rPr lang="zh-TW" altLang="en-US" dirty="0" smtClean="0"/>
+              <a:t>資料</a:t>
+            </a:r>
+            <a:r>
+              <a:rPr lang="zh-TW" altLang="en-US" dirty="0"/>
+              <a:t>統計</a:t>
+            </a:r>
+            <a:endParaRPr lang="zh-TW" altLang="en-US" dirty="0"/>
+          </a:p>
+        </p:txBody>
+      </p:sp>
+      <p:pic>
+        <p:nvPicPr>
+          <p:cNvPr id="4" name="圖片 3" descr="畫面剪輯"/>
+          <p:cNvPicPr>
+            <a:picLocks noChangeAspect="1"/>
+          </p:cNvPicPr>
+          <p:nvPr/>
+        </p:nvPicPr>
+        <p:blipFill>
+          <a:blip r:embed="rId2">
+            <a:extLst>
+              <a:ext uri="{28A0092B-C50C-407E-A947-70E740481C1C}">
+                <a14:useLocalDpi xmlns:a14="http://schemas.microsoft.com/office/drawing/2010/main" val="0"/>
+              </a:ext>
+            </a:extLst>
+          </a:blip>
+          <a:stretch>
+            <a:fillRect/>
+          </a:stretch>
+        </p:blipFill>
+        <p:spPr>
+          <a:xfrm>
+            <a:off x="1261388" y="1518971"/>
+            <a:ext cx="9669224" cy="3820058"/>
+          </a:xfrm>
+          <a:prstGeom prst="rect">
+            <a:avLst/>
+          </a:prstGeom>
+        </p:spPr>
+      </p:pic>
+    </p:spTree>
+    <p:extLst>
+      <p:ext uri="{BB962C8B-B14F-4D97-AF65-F5344CB8AC3E}">
         <p14:creationId xmlns:p14="http://schemas.microsoft.com/office/powerpoint/2010/main" val="646775573"/>
+      </p:ext>
+    </p:extLst>
+  </p:cSld>
+  <p:clrMapOvr>
+    <a:masterClrMapping/>
+  </p:clrMapOvr>
+  <mc:AlternateContent xmlns:mc="http://schemas.openxmlformats.org/markup-compatibility/2006" xmlns:p14="http://schemas.microsoft.com/office/powerpoint/2010/main">
+    <mc:Choice Requires="p14">
+      <p:transition spd="slow" p14:dur="1500">
+        <p:random/>
+      </p:transition>
+    </mc:Choice>
+    <mc:Fallback xmlns="">
+      <p:transition spd="slow">
+        <p:random/>
+      </p:transition>
+    </mc:Fallback>
+  </mc:AlternateContent>
+</p:sld>
+</file>
+
+<file path=ppt/slides/slide56.xml><?xml version="1.0" encoding="utf-8"?>
+<p:sld xmlns:a="http://schemas.openxmlformats.org/drawingml/2006/main" xmlns:r="http://schemas.openxmlformats.org/officeDocument/2006/relationships" xmlns:p="http://schemas.openxmlformats.org/presentationml/2006/main">
+  <p:cSld>
+    <p:spTree>
+      <p:nvGrpSpPr>
+        <p:cNvPr id="1" name=""/>
+        <p:cNvGrpSpPr/>
+        <p:nvPr/>
+      </p:nvGrpSpPr>
+      <p:grpSpPr>
+        <a:xfrm>
+          <a:off x="0" y="0"/>
+          <a:ext cx="0" cy="0"/>
+          <a:chOff x="0" y="0"/>
+          <a:chExt cx="0" cy="0"/>
+        </a:xfrm>
+      </p:grpSpPr>
+      <p:sp>
+        <p:nvSpPr>
+          <p:cNvPr id="2" name="標題 1"/>
+          <p:cNvSpPr>
+            <a:spLocks noGrp="1"/>
+          </p:cNvSpPr>
+          <p:nvPr>
+            <p:ph type="title"/>
+          </p:nvPr>
+        </p:nvSpPr>
+        <p:spPr/>
+        <p:txBody>
+          <a:bodyPr/>
+          <a:lstStyle/>
+          <a:p>
+            <a:r>
+              <a:rPr lang="zh-TW" altLang="en-US" b="0" dirty="0"/>
+              <a:t>取得</a:t>
+            </a:r>
+            <a:r>
+              <a:rPr lang="zh-TW" altLang="en-US" b="0" dirty="0" smtClean="0"/>
+              <a:t>查詢</a:t>
+            </a:r>
+            <a:r>
+              <a:rPr lang="zh-TW" altLang="en-US" b="0" dirty="0"/>
+              <a:t>結果的</a:t>
+            </a:r>
+            <a:r>
+              <a:rPr lang="zh-TW" altLang="en-US" b="0" dirty="0" smtClean="0"/>
+              <a:t>第一列第一行資料</a:t>
+            </a:r>
+            <a:endParaRPr lang="zh-TW" altLang="en-US" dirty="0"/>
+          </a:p>
+        </p:txBody>
+      </p:sp>
+      <p:sp>
+        <p:nvSpPr>
+          <p:cNvPr id="3" name="內容版面配置區 2"/>
+          <p:cNvSpPr>
+            <a:spLocks noGrp="1"/>
+          </p:cNvSpPr>
+          <p:nvPr>
+            <p:ph idx="1"/>
+          </p:nvPr>
+        </p:nvSpPr>
+        <p:spPr/>
+        <p:txBody>
+          <a:bodyPr/>
+          <a:lstStyle/>
+          <a:p>
+            <a:r>
+              <a:rPr lang="en-US" altLang="zh-TW" dirty="0" err="1" smtClean="0"/>
+              <a:t>SqlCommand.ExecuteScalar</a:t>
+            </a:r>
+            <a:r>
+              <a:rPr lang="en-US" altLang="zh-TW" dirty="0"/>
+              <a:t>()</a:t>
+            </a:r>
+            <a:endParaRPr lang="zh-TW" altLang="en-US" dirty="0"/>
+          </a:p>
+        </p:txBody>
+      </p:sp>
+    </p:spTree>
+    <p:extLst>
+      <p:ext uri="{BB962C8B-B14F-4D97-AF65-F5344CB8AC3E}">
+        <p14:creationId xmlns:p14="http://schemas.microsoft.com/office/powerpoint/2010/main" val="2629029407"/>
+      </p:ext>
+    </p:extLst>
+  </p:cSld>
+  <p:clrMapOvr>
+    <a:masterClrMapping/>
+  </p:clrMapOvr>
+  <mc:AlternateContent xmlns:mc="http://schemas.openxmlformats.org/markup-compatibility/2006" xmlns:p14="http://schemas.microsoft.com/office/powerpoint/2010/main">
+    <mc:Choice Requires="p14">
+      <p:transition spd="slow" p14:dur="1500">
+        <p:random/>
+      </p:transition>
+    </mc:Choice>
+    <mc:Fallback xmlns="">
+      <p:transition spd="slow">
+        <p:random/>
+      </p:transition>
+    </mc:Fallback>
+  </mc:AlternateContent>
+</p:sld>
+</file>
+
+<file path=ppt/slides/slide57.xml><?xml version="1.0" encoding="utf-8"?>
+<p:sld xmlns:a="http://schemas.openxmlformats.org/drawingml/2006/main" xmlns:r="http://schemas.openxmlformats.org/officeDocument/2006/relationships" xmlns:p="http://schemas.openxmlformats.org/presentationml/2006/main">
+  <p:cSld>
+    <p:spTree>
+      <p:nvGrpSpPr>
+        <p:cNvPr id="1" name=""/>
+        <p:cNvGrpSpPr/>
+        <p:nvPr/>
+      </p:nvGrpSpPr>
+      <p:grpSpPr>
+        <a:xfrm>
+          <a:off x="0" y="0"/>
+          <a:ext cx="0" cy="0"/>
+          <a:chOff x="0" y="0"/>
+          <a:chExt cx="0" cy="0"/>
+        </a:xfrm>
+      </p:grpSpPr>
+      <p:sp>
+        <p:nvSpPr>
+          <p:cNvPr id="2" name="標題 1"/>
+          <p:cNvSpPr>
+            <a:spLocks noGrp="1"/>
+          </p:cNvSpPr>
+          <p:nvPr>
+            <p:ph type="title"/>
+          </p:nvPr>
+        </p:nvSpPr>
+        <p:spPr/>
+        <p:txBody>
+          <a:bodyPr/>
+          <a:lstStyle/>
+          <a:p>
+            <a:r>
+              <a:rPr lang="zh-TW" altLang="en-US" dirty="0" smtClean="0"/>
+              <a:t>新增、修改、刪除資料</a:t>
+            </a:r>
+            <a:endParaRPr lang="zh-TW" altLang="en-US" dirty="0"/>
+          </a:p>
+        </p:txBody>
+      </p:sp>
+      <p:sp>
+        <p:nvSpPr>
+          <p:cNvPr id="3" name="內容版面配置區 2"/>
+          <p:cNvSpPr>
+            <a:spLocks noGrp="1"/>
+          </p:cNvSpPr>
+          <p:nvPr>
+            <p:ph idx="1"/>
+          </p:nvPr>
+        </p:nvSpPr>
+        <p:spPr/>
+        <p:txBody>
+          <a:bodyPr/>
+          <a:lstStyle/>
+          <a:p>
+            <a:r>
+              <a:rPr lang="en-US" altLang="zh-TW" dirty="0" err="1"/>
+              <a:t>SqlCommand</a:t>
+            </a:r>
+            <a:r>
+              <a:rPr lang="en-US" altLang="zh-TW" dirty="0" smtClean="0"/>
+              <a:t>. </a:t>
+            </a:r>
+            <a:r>
+              <a:rPr lang="en-US" altLang="zh-TW" dirty="0" err="1" smtClean="0"/>
+              <a:t>ExecuteNonQuery</a:t>
+            </a:r>
+            <a:r>
+              <a:rPr lang="en-US" altLang="zh-TW" dirty="0"/>
+              <a:t>()</a:t>
+            </a:r>
+            <a:endParaRPr lang="zh-TW" altLang="en-US" dirty="0"/>
+          </a:p>
+        </p:txBody>
+      </p:sp>
+    </p:spTree>
+    <p:extLst>
+      <p:ext uri="{BB962C8B-B14F-4D97-AF65-F5344CB8AC3E}">
+        <p14:creationId xmlns:p14="http://schemas.microsoft.com/office/powerpoint/2010/main" val="3129878418"/>
       </p:ext>
     </p:extLst>
   </p:cSld>
@@ -14891,7 +16064,7 @@
           <p:nvPr>
             <p:extLst>
               <p:ext uri="{D42A27DB-BD31-4B8C-83A1-F6EECF244321}">
-                <p14:modId xmlns:p14="http://schemas.microsoft.com/office/powerpoint/2010/main" val="1349255108"/>
+                <p14:modId xmlns:p14="http://schemas.microsoft.com/office/powerpoint/2010/main" val="615155417"/>
               </p:ext>
             </p:extLst>
           </p:nvPr>
@@ -15644,8 +16817,8 @@
                     <a:lstStyle/>
                     <a:p>
                       <a:r>
-                        <a:rPr lang="en-US" altLang="zh-TW" dirty="0" err="1" smtClean="0"/>
-                        <a:t>PassWord</a:t>
+                        <a:rPr lang="en-US" altLang="zh-TW" dirty="0" smtClean="0"/>
+                        <a:t>Password</a:t>
                       </a:r>
                       <a:endParaRPr lang="zh-TW" altLang="en-US" dirty="0"/>
                     </a:p>

--- a/投影片/3.網站程式與資料庫溝通、互動.pptx
+++ b/投影片/3.網站程式與資料庫溝通、互動.pptx
@@ -62,6 +62,12 @@
     <p:sldId id="280" r:id="rId56"/>
     <p:sldId id="278" r:id="rId57"/>
     <p:sldId id="331" r:id="rId58"/>
+    <p:sldId id="336" r:id="rId59"/>
+    <p:sldId id="332" r:id="rId60"/>
+    <p:sldId id="333" r:id="rId61"/>
+    <p:sldId id="337" r:id="rId62"/>
+    <p:sldId id="334" r:id="rId63"/>
+    <p:sldId id="335" r:id="rId64"/>
   </p:sldIdLst>
   <p:sldSz cx="12192000" cy="6858000"/>
   <p:notesSz cx="6858000" cy="9144000"/>
@@ -202,7 +208,7 @@
           <a:p>
             <a:fld id="{31CDE89B-FBD9-4E23-BEEB-B0C8819124B3}" type="datetimeFigureOut">
               <a:rPr lang="zh-TW" altLang="en-US" smtClean="0"/>
-              <a:t>2022/3/13</a:t>
+              <a:t>2022/3/15</a:t>
             </a:fld>
             <a:endParaRPr lang="zh-TW" altLang="en-US"/>
           </a:p>
@@ -3073,7 +3079,7 @@
           <a:p>
             <a:fld id="{31CDE89B-FBD9-4E23-BEEB-B0C8819124B3}" type="datetimeFigureOut">
               <a:rPr lang="zh-TW" altLang="en-US" smtClean="0"/>
-              <a:t>2022/3/13</a:t>
+              <a:t>2022/3/15</a:t>
             </a:fld>
             <a:endParaRPr lang="zh-TW" altLang="en-US"/>
           </a:p>
@@ -3265,7 +3271,7 @@
           <a:p>
             <a:fld id="{31CDE89B-FBD9-4E23-BEEB-B0C8819124B3}" type="datetimeFigureOut">
               <a:rPr lang="zh-TW" altLang="en-US" smtClean="0"/>
-              <a:t>2022/3/13</a:t>
+              <a:t>2022/3/15</a:t>
             </a:fld>
             <a:endParaRPr lang="zh-TW" altLang="en-US"/>
           </a:p>
@@ -3461,7 +3467,7 @@
           <a:p>
             <a:fld id="{31CDE89B-FBD9-4E23-BEEB-B0C8819124B3}" type="datetimeFigureOut">
               <a:rPr lang="zh-TW" altLang="en-US" smtClean="0"/>
-              <a:t>2022/3/13</a:t>
+              <a:t>2022/3/15</a:t>
             </a:fld>
             <a:endParaRPr lang="zh-TW" altLang="en-US"/>
           </a:p>
@@ -4557,7 +4563,7 @@
           <a:p>
             <a:fld id="{31CDE89B-FBD9-4E23-BEEB-B0C8819124B3}" type="datetimeFigureOut">
               <a:rPr lang="zh-TW" altLang="en-US" smtClean="0"/>
-              <a:t>2022/3/13</a:t>
+              <a:t>2022/3/15</a:t>
             </a:fld>
             <a:endParaRPr lang="zh-TW" altLang="en-US"/>
           </a:p>
@@ -4806,7 +4812,7 @@
           <a:p>
             <a:fld id="{31CDE89B-FBD9-4E23-BEEB-B0C8819124B3}" type="datetimeFigureOut">
               <a:rPr lang="zh-TW" altLang="en-US" smtClean="0"/>
-              <a:t>2022/3/13</a:t>
+              <a:t>2022/3/15</a:t>
             </a:fld>
             <a:endParaRPr lang="zh-TW" altLang="en-US"/>
           </a:p>
@@ -5185,7 +5191,7 @@
           <a:p>
             <a:fld id="{31CDE89B-FBD9-4E23-BEEB-B0C8819124B3}" type="datetimeFigureOut">
               <a:rPr lang="zh-TW" altLang="en-US" smtClean="0"/>
-              <a:t>2022/3/13</a:t>
+              <a:t>2022/3/15</a:t>
             </a:fld>
             <a:endParaRPr lang="zh-TW" altLang="en-US"/>
           </a:p>
@@ -5315,7 +5321,7 @@
           <a:p>
             <a:fld id="{31CDE89B-FBD9-4E23-BEEB-B0C8819124B3}" type="datetimeFigureOut">
               <a:rPr lang="zh-TW" altLang="en-US" smtClean="0"/>
-              <a:t>2022/3/13</a:t>
+              <a:t>2022/3/15</a:t>
             </a:fld>
             <a:endParaRPr lang="zh-TW" altLang="en-US"/>
           </a:p>
@@ -5422,7 +5428,7 @@
           <a:p>
             <a:fld id="{31CDE89B-FBD9-4E23-BEEB-B0C8819124B3}" type="datetimeFigureOut">
               <a:rPr lang="zh-TW" altLang="en-US" smtClean="0"/>
-              <a:t>2022/3/13</a:t>
+              <a:t>2022/3/15</a:t>
             </a:fld>
             <a:endParaRPr lang="zh-TW" altLang="en-US"/>
           </a:p>
@@ -5711,7 +5717,7 @@
           <a:p>
             <a:fld id="{31CDE89B-FBD9-4E23-BEEB-B0C8819124B3}" type="datetimeFigureOut">
               <a:rPr lang="zh-TW" altLang="en-US" smtClean="0"/>
-              <a:t>2022/3/13</a:t>
+              <a:t>2022/3/15</a:t>
             </a:fld>
             <a:endParaRPr lang="zh-TW" altLang="en-US"/>
           </a:p>
@@ -5976,7 +5982,7 @@
           <a:p>
             <a:fld id="{31CDE89B-FBD9-4E23-BEEB-B0C8819124B3}" type="datetimeFigureOut">
               <a:rPr lang="zh-TW" altLang="en-US" smtClean="0"/>
-              <a:t>2022/3/13</a:t>
+              <a:t>2022/3/15</a:t>
             </a:fld>
             <a:endParaRPr lang="zh-TW" altLang="en-US"/>
           </a:p>
@@ -6201,7 +6207,7 @@
           <a:p>
             <a:fld id="{31CDE89B-FBD9-4E23-BEEB-B0C8819124B3}" type="datetimeFigureOut">
               <a:rPr lang="zh-TW" altLang="en-US" smtClean="0"/>
-              <a:t>2022/3/13</a:t>
+              <a:t>2022/3/15</a:t>
             </a:fld>
             <a:endParaRPr lang="zh-TW" altLang="en-US"/>
           </a:p>
@@ -10262,7 +10268,7 @@
             <a:spLocks noGrp="1"/>
           </p:cNvSpPr>
           <p:nvPr>
-            <p:ph sz="half" idx="1"/>
+            <p:ph idx="1"/>
           </p:nvPr>
         </p:nvSpPr>
         <p:spPr/>
@@ -10301,13 +10307,13 @@
             <a:spLocks noGrp="1"/>
           </p:cNvSpPr>
           <p:nvPr>
-            <p:ph sz="half" idx="2"/>
+            <p:ph sz="half" idx="4294967295"/>
           </p:nvPr>
         </p:nvSpPr>
         <p:spPr>
           <a:xfrm>
-            <a:off x="6172200" y="1825625"/>
-            <a:ext cx="5671038" cy="4351338"/>
+            <a:off x="6521450" y="1825625"/>
+            <a:ext cx="5670550" cy="4351338"/>
           </a:xfrm>
         </p:spPr>
         <p:txBody>
@@ -11794,11 +11800,7 @@
             </a:r>
             <a:r>
               <a:rPr lang="zh-TW" altLang="en-US" dirty="0" smtClean="0"/>
-              <a:t>讀取</a:t>
-            </a:r>
-            <a:r>
-              <a:rPr lang="zh-TW" altLang="en-US" dirty="0" smtClean="0"/>
-              <a:t>資料</a:t>
+              <a:t>讀取資料</a:t>
             </a:r>
             <a:endParaRPr lang="zh-TW" altLang="en-US" dirty="0"/>
           </a:p>
@@ -12074,19 +12076,11 @@
             </a:pPr>
             <a:r>
               <a:rPr lang="en-US" altLang="zh-TW" dirty="0" smtClean="0"/>
-              <a:t>2</a:t>
-            </a:r>
-            <a:r>
-              <a:rPr lang="en-US" altLang="zh-TW" dirty="0" smtClean="0"/>
-              <a:t>.</a:t>
+              <a:t>2.</a:t>
             </a:r>
             <a:r>
               <a:rPr lang="zh-TW" altLang="en-US" dirty="0" smtClean="0"/>
-              <a:t>依據輸入語言名稱，</a:t>
-            </a:r>
-            <a:r>
-              <a:rPr lang="zh-TW" altLang="en-US" dirty="0" smtClean="0"/>
-              <a:t>印出查尋到的</a:t>
+              <a:t>依據輸入語言名稱，印出查尋到的</a:t>
             </a:r>
             <a:r>
               <a:rPr lang="en-US" altLang="zh-TW" dirty="0" err="1" smtClean="0"/>
@@ -12249,7 +12243,6 @@
               <a:rPr lang="zh-TW" altLang="en-US" dirty="0"/>
               <a:t>的參數</a:t>
             </a:r>
-            <a:endParaRPr lang="zh-TW" altLang="en-US" dirty="0"/>
           </a:p>
         </p:txBody>
       </p:sp>
@@ -12871,7 +12864,6 @@
               <a:rPr lang="zh-TW" altLang="en-US" dirty="0"/>
               <a:t> 範例</a:t>
             </a:r>
-            <a:endParaRPr lang="zh-TW" altLang="en-US" dirty="0"/>
           </a:p>
         </p:txBody>
       </p:sp>
@@ -12963,11 +12955,7 @@
           <a:p>
             <a:r>
               <a:rPr lang="zh-TW" altLang="en-US" dirty="0" smtClean="0"/>
-              <a:t>使用</a:t>
-            </a:r>
-            <a:r>
-              <a:rPr lang="zh-TW" altLang="en-US" dirty="0"/>
-              <a:t>存於</a:t>
+              <a:t>使用紀錄於</a:t>
             </a:r>
             <a:r>
               <a:rPr lang="en-US" altLang="zh-TW" dirty="0" err="1" smtClean="0"/>
@@ -13040,6 +13028,120 @@
           </a:prstGeom>
         </p:spPr>
       </p:pic>
+      <p:cxnSp>
+        <p:nvCxnSpPr>
+          <p:cNvPr id="4" name="直線接點 3"/>
+          <p:cNvCxnSpPr/>
+          <p:nvPr/>
+        </p:nvCxnSpPr>
+        <p:spPr>
+          <a:xfrm>
+            <a:off x="4203456" y="1960684"/>
+            <a:ext cx="6479198" cy="8793"/>
+          </a:xfrm>
+          <a:prstGeom prst="line">
+            <a:avLst/>
+          </a:prstGeom>
+          <a:noFill/>
+          <a:ln w="28575">
+            <a:solidFill>
+              <a:srgbClr val="FF0000"/>
+            </a:solidFill>
+          </a:ln>
+        </p:spPr>
+        <p:style>
+          <a:lnRef idx="2">
+            <a:schemeClr val="accent1">
+              <a:shade val="50000"/>
+            </a:schemeClr>
+          </a:lnRef>
+          <a:fillRef idx="1">
+            <a:schemeClr val="accent1"/>
+          </a:fillRef>
+          <a:effectRef idx="0">
+            <a:schemeClr val="accent1"/>
+          </a:effectRef>
+          <a:fontRef idx="minor">
+            <a:schemeClr val="lt1"/>
+          </a:fontRef>
+        </p:style>
+      </p:cxnSp>
+      <p:cxnSp>
+        <p:nvCxnSpPr>
+          <p:cNvPr id="10" name="直線接點 9"/>
+          <p:cNvCxnSpPr/>
+          <p:nvPr/>
+        </p:nvCxnSpPr>
+        <p:spPr>
+          <a:xfrm flipV="1">
+            <a:off x="1296133" y="5600700"/>
+            <a:ext cx="2387844" cy="2930"/>
+          </a:xfrm>
+          <a:prstGeom prst="line">
+            <a:avLst/>
+          </a:prstGeom>
+          <a:noFill/>
+          <a:ln w="28575">
+            <a:solidFill>
+              <a:srgbClr val="FF0000"/>
+            </a:solidFill>
+          </a:ln>
+        </p:spPr>
+        <p:style>
+          <a:lnRef idx="2">
+            <a:schemeClr val="accent1">
+              <a:shade val="50000"/>
+            </a:schemeClr>
+          </a:lnRef>
+          <a:fillRef idx="1">
+            <a:schemeClr val="accent1"/>
+          </a:fillRef>
+          <a:effectRef idx="0">
+            <a:schemeClr val="accent1"/>
+          </a:effectRef>
+          <a:fontRef idx="minor">
+            <a:schemeClr val="lt1"/>
+          </a:fontRef>
+        </p:style>
+      </p:cxnSp>
+      <p:cxnSp>
+        <p:nvCxnSpPr>
+          <p:cNvPr id="12" name="直線接點 11"/>
+          <p:cNvCxnSpPr/>
+          <p:nvPr/>
+        </p:nvCxnSpPr>
+        <p:spPr>
+          <a:xfrm>
+            <a:off x="3737044" y="5600700"/>
+            <a:ext cx="1300948" cy="0"/>
+          </a:xfrm>
+          <a:prstGeom prst="line">
+            <a:avLst/>
+          </a:prstGeom>
+          <a:noFill/>
+          <a:ln w="28575">
+            <a:solidFill>
+              <a:srgbClr val="FF0000"/>
+            </a:solidFill>
+          </a:ln>
+        </p:spPr>
+        <p:style>
+          <a:lnRef idx="2">
+            <a:schemeClr val="accent1">
+              <a:shade val="50000"/>
+            </a:schemeClr>
+          </a:lnRef>
+          <a:fillRef idx="1">
+            <a:schemeClr val="accent1"/>
+          </a:fillRef>
+          <a:effectRef idx="0">
+            <a:schemeClr val="accent1"/>
+          </a:effectRef>
+          <a:fontRef idx="minor">
+            <a:schemeClr val="lt1"/>
+          </a:fontRef>
+        </p:style>
+      </p:cxnSp>
     </p:spTree>
     <p:extLst>
       <p:ext uri="{BB962C8B-B14F-4D97-AF65-F5344CB8AC3E}">
@@ -14864,7 +14966,7 @@
           </p:cNvPicPr>
           <p:nvPr/>
         </p:nvPicPr>
-        <p:blipFill>
+        <p:blipFill rotWithShape="1">
           <a:blip r:embed="rId2">
             <a:extLst>
               <a:ext uri="{28A0092B-C50C-407E-A947-70E740481C1C}">
@@ -14872,20 +14974,133 @@
               </a:ext>
             </a:extLst>
           </a:blip>
-          <a:stretch>
-            <a:fillRect/>
-          </a:stretch>
+          <a:srcRect b="20128"/>
+          <a:stretch/>
         </p:blipFill>
         <p:spPr>
           <a:xfrm>
-            <a:off x="1262519" y="0"/>
-            <a:ext cx="9666962" cy="6858000"/>
+            <a:off x="1223930" y="1397978"/>
+            <a:ext cx="9333649" cy="5288742"/>
           </a:xfrm>
           <a:prstGeom prst="rect">
             <a:avLst/>
           </a:prstGeom>
         </p:spPr>
       </p:pic>
+      <p:cxnSp>
+        <p:nvCxnSpPr>
+          <p:cNvPr id="4" name="直線接點 3"/>
+          <p:cNvCxnSpPr/>
+          <p:nvPr/>
+        </p:nvCxnSpPr>
+        <p:spPr>
+          <a:xfrm flipV="1">
+            <a:off x="2025895" y="3323492"/>
+            <a:ext cx="3100020" cy="11724"/>
+          </a:xfrm>
+          <a:prstGeom prst="line">
+            <a:avLst/>
+          </a:prstGeom>
+          <a:noFill/>
+          <a:ln w="28575">
+            <a:solidFill>
+              <a:srgbClr val="FF0000"/>
+            </a:solidFill>
+          </a:ln>
+        </p:spPr>
+        <p:style>
+          <a:lnRef idx="2">
+            <a:schemeClr val="accent1">
+              <a:shade val="50000"/>
+            </a:schemeClr>
+          </a:lnRef>
+          <a:fillRef idx="1">
+            <a:schemeClr val="accent1"/>
+          </a:fillRef>
+          <a:effectRef idx="0">
+            <a:schemeClr val="accent1"/>
+          </a:effectRef>
+          <a:fontRef idx="minor">
+            <a:schemeClr val="lt1"/>
+          </a:fontRef>
+        </p:style>
+      </p:cxnSp>
+      <p:cxnSp>
+        <p:nvCxnSpPr>
+          <p:cNvPr id="8" name="直線接點 7"/>
+          <p:cNvCxnSpPr/>
+          <p:nvPr/>
+        </p:nvCxnSpPr>
+        <p:spPr>
+          <a:xfrm>
+            <a:off x="2318972" y="4234962"/>
+            <a:ext cx="1716697" cy="2930"/>
+          </a:xfrm>
+          <a:prstGeom prst="line">
+            <a:avLst/>
+          </a:prstGeom>
+          <a:noFill/>
+          <a:ln w="28575">
+            <a:solidFill>
+              <a:srgbClr val="FF0000"/>
+            </a:solidFill>
+          </a:ln>
+        </p:spPr>
+        <p:style>
+          <a:lnRef idx="2">
+            <a:schemeClr val="accent1">
+              <a:shade val="50000"/>
+            </a:schemeClr>
+          </a:lnRef>
+          <a:fillRef idx="1">
+            <a:schemeClr val="accent1"/>
+          </a:fillRef>
+          <a:effectRef idx="0">
+            <a:schemeClr val="accent1"/>
+          </a:effectRef>
+          <a:fontRef idx="minor">
+            <a:schemeClr val="lt1"/>
+          </a:fontRef>
+        </p:style>
+      </p:cxnSp>
+      <p:cxnSp>
+        <p:nvCxnSpPr>
+          <p:cNvPr id="12" name="直線接點 11"/>
+          <p:cNvCxnSpPr/>
+          <p:nvPr/>
+        </p:nvCxnSpPr>
+        <p:spPr>
+          <a:xfrm>
+            <a:off x="2318971" y="5212862"/>
+            <a:ext cx="2564179" cy="488"/>
+          </a:xfrm>
+          <a:prstGeom prst="line">
+            <a:avLst/>
+          </a:prstGeom>
+          <a:noFill/>
+          <a:ln w="28575">
+            <a:solidFill>
+              <a:srgbClr val="FF0000"/>
+            </a:solidFill>
+          </a:ln>
+        </p:spPr>
+        <p:style>
+          <a:lnRef idx="2">
+            <a:schemeClr val="accent1">
+              <a:shade val="50000"/>
+            </a:schemeClr>
+          </a:lnRef>
+          <a:fillRef idx="1">
+            <a:schemeClr val="accent1"/>
+          </a:fillRef>
+          <a:effectRef idx="0">
+            <a:schemeClr val="accent1"/>
+          </a:effectRef>
+          <a:fontRef idx="minor">
+            <a:schemeClr val="lt1"/>
+          </a:fontRef>
+        </p:style>
+      </p:cxnSp>
     </p:spTree>
     <p:extLst>
       <p:ext uri="{BB962C8B-B14F-4D97-AF65-F5344CB8AC3E}">
@@ -15089,7 +15304,6 @@
               <a:rPr lang="zh-TW" altLang="en-US" dirty="0"/>
               <a:t> 並更新資料來源。</a:t>
             </a:r>
-            <a:endParaRPr lang="zh-TW" altLang="en-US" dirty="0"/>
           </a:p>
           <a:p>
             <a:pPr lvl="1"/>
@@ -15259,7 +15473,6 @@
               <a:rPr lang="zh-TW" altLang="en-US" dirty="0"/>
               <a:t>結構</a:t>
             </a:r>
-            <a:endParaRPr lang="zh-TW" altLang="en-US" dirty="0"/>
           </a:p>
         </p:txBody>
       </p:sp>
@@ -15295,9 +15508,10 @@
           <a:p>
             <a:pPr lvl="1"/>
             <a:r>
-              <a:rPr lang="en-US" altLang="zh-TW" dirty="0"/>
-              <a:t>Dataset</a:t>
-            </a:r>
+              <a:rPr lang="en-US" altLang="zh-TW" dirty="0" err="1" smtClean="0"/>
+              <a:t>DataSet</a:t>
+            </a:r>
+            <a:endParaRPr lang="en-US" altLang="zh-TW" dirty="0"/>
           </a:p>
           <a:p>
             <a:pPr lvl="1"/>
@@ -15627,7 +15841,6 @@
               <a:rPr lang="zh-TW" altLang="en-US" dirty="0"/>
               <a:t>進行資料篩選</a:t>
             </a:r>
-            <a:endParaRPr lang="zh-TW" altLang="en-US" dirty="0"/>
           </a:p>
         </p:txBody>
       </p:sp>
@@ -15753,7 +15966,6 @@
               <a:rPr lang="zh-TW" altLang="en-US" dirty="0"/>
               <a:t>統計</a:t>
             </a:r>
-            <a:endParaRPr lang="zh-TW" altLang="en-US" dirty="0"/>
           </a:p>
         </p:txBody>
       </p:sp>
@@ -15891,6 +16103,36 @@
           </a:p>
         </p:txBody>
       </p:sp>
+      <p:pic>
+        <p:nvPicPr>
+          <p:cNvPr id="4" name="圖片 3" descr="畫面剪輯"/>
+          <p:cNvPicPr>
+            <a:picLocks noChangeAspect="1"/>
+          </p:cNvPicPr>
+          <p:nvPr/>
+        </p:nvPicPr>
+        <p:blipFill>
+          <a:blip r:embed="rId2">
+            <a:extLst>
+              <a:ext uri="{28A0092B-C50C-407E-A947-70E740481C1C}">
+                <a14:useLocalDpi xmlns:a14="http://schemas.microsoft.com/office/drawing/2010/main" val="0"/>
+              </a:ext>
+            </a:extLst>
+          </a:blip>
+          <a:stretch>
+            <a:fillRect/>
+          </a:stretch>
+        </p:blipFill>
+        <p:spPr>
+          <a:xfrm>
+            <a:off x="480343" y="2381084"/>
+            <a:ext cx="11023364" cy="2714791"/>
+          </a:xfrm>
+          <a:prstGeom prst="rect">
+            <a:avLst/>
+          </a:prstGeom>
+        </p:spPr>
+      </p:pic>
     </p:spTree>
     <p:extLst>
       <p:ext uri="{BB962C8B-B14F-4D97-AF65-F5344CB8AC3E}">
@@ -15995,6 +16237,197 @@
     <p:extLst>
       <p:ext uri="{BB962C8B-B14F-4D97-AF65-F5344CB8AC3E}">
         <p14:creationId xmlns:p14="http://schemas.microsoft.com/office/powerpoint/2010/main" val="3129878418"/>
+      </p:ext>
+    </p:extLst>
+  </p:cSld>
+  <p:clrMapOvr>
+    <a:masterClrMapping/>
+  </p:clrMapOvr>
+  <mc:AlternateContent xmlns:mc="http://schemas.openxmlformats.org/markup-compatibility/2006" xmlns:p14="http://schemas.microsoft.com/office/powerpoint/2010/main">
+    <mc:Choice Requires="p14">
+      <p:transition spd="slow" p14:dur="1500">
+        <p:random/>
+      </p:transition>
+    </mc:Choice>
+    <mc:Fallback xmlns="">
+      <p:transition spd="slow">
+        <p:random/>
+      </p:transition>
+    </mc:Fallback>
+  </mc:AlternateContent>
+</p:sld>
+</file>
+
+<file path=ppt/slides/slide58.xml><?xml version="1.0" encoding="utf-8"?>
+<p:sld xmlns:a="http://schemas.openxmlformats.org/drawingml/2006/main" xmlns:r="http://schemas.openxmlformats.org/officeDocument/2006/relationships" xmlns:p="http://schemas.openxmlformats.org/presentationml/2006/main">
+  <p:cSld>
+    <p:spTree>
+      <p:nvGrpSpPr>
+        <p:cNvPr id="1" name=""/>
+        <p:cNvGrpSpPr/>
+        <p:nvPr/>
+      </p:nvGrpSpPr>
+      <p:grpSpPr>
+        <a:xfrm>
+          <a:off x="0" y="0"/>
+          <a:ext cx="0" cy="0"/>
+          <a:chOff x="0" y="0"/>
+          <a:chExt cx="0" cy="0"/>
+        </a:xfrm>
+      </p:grpSpPr>
+      <p:sp>
+        <p:nvSpPr>
+          <p:cNvPr id="2" name="標題 1"/>
+          <p:cNvSpPr>
+            <a:spLocks noGrp="1"/>
+          </p:cNvSpPr>
+          <p:nvPr>
+            <p:ph type="title"/>
+          </p:nvPr>
+        </p:nvSpPr>
+        <p:spPr/>
+        <p:txBody>
+          <a:bodyPr/>
+          <a:lstStyle/>
+          <a:p>
+            <a:r>
+              <a:rPr lang="zh-TW" altLang="en-US" dirty="0"/>
+              <a:t>練習新增資料</a:t>
+            </a:r>
+          </a:p>
+        </p:txBody>
+      </p:sp>
+      <p:pic>
+        <p:nvPicPr>
+          <p:cNvPr id="4" name="圖片 3" descr="畫面剪輯"/>
+          <p:cNvPicPr>
+            <a:picLocks noChangeAspect="1"/>
+          </p:cNvPicPr>
+          <p:nvPr/>
+        </p:nvPicPr>
+        <p:blipFill>
+          <a:blip r:embed="rId2">
+            <a:extLst>
+              <a:ext uri="{28A0092B-C50C-407E-A947-70E740481C1C}">
+                <a14:useLocalDpi xmlns:a14="http://schemas.microsoft.com/office/drawing/2010/main" val="0"/>
+              </a:ext>
+            </a:extLst>
+          </a:blip>
+          <a:stretch>
+            <a:fillRect/>
+          </a:stretch>
+        </p:blipFill>
+        <p:spPr>
+          <a:xfrm>
+            <a:off x="1223930" y="1819275"/>
+            <a:ext cx="9182933" cy="2551663"/>
+          </a:xfrm>
+          <a:prstGeom prst="rect">
+            <a:avLst/>
+          </a:prstGeom>
+        </p:spPr>
+      </p:pic>
+    </p:spTree>
+    <p:extLst>
+      <p:ext uri="{BB962C8B-B14F-4D97-AF65-F5344CB8AC3E}">
+        <p14:creationId xmlns:p14="http://schemas.microsoft.com/office/powerpoint/2010/main" val="1395245030"/>
+      </p:ext>
+    </p:extLst>
+  </p:cSld>
+  <p:clrMapOvr>
+    <a:masterClrMapping/>
+  </p:clrMapOvr>
+  <mc:AlternateContent xmlns:mc="http://schemas.openxmlformats.org/markup-compatibility/2006" xmlns:p14="http://schemas.microsoft.com/office/powerpoint/2010/main">
+    <mc:Choice Requires="p14">
+      <p:transition spd="slow" p14:dur="1500">
+        <p:random/>
+      </p:transition>
+    </mc:Choice>
+    <mc:Fallback xmlns="">
+      <p:transition spd="slow">
+        <p:random/>
+      </p:transition>
+    </mc:Fallback>
+  </mc:AlternateContent>
+</p:sld>
+</file>
+
+<file path=ppt/slides/slide59.xml><?xml version="1.0" encoding="utf-8"?>
+<p:sld xmlns:a="http://schemas.openxmlformats.org/drawingml/2006/main" xmlns:r="http://schemas.openxmlformats.org/officeDocument/2006/relationships" xmlns:p="http://schemas.openxmlformats.org/presentationml/2006/main">
+  <p:cSld>
+    <p:spTree>
+      <p:nvGrpSpPr>
+        <p:cNvPr id="1" name=""/>
+        <p:cNvGrpSpPr/>
+        <p:nvPr/>
+      </p:nvGrpSpPr>
+      <p:grpSpPr>
+        <a:xfrm>
+          <a:off x="0" y="0"/>
+          <a:ext cx="0" cy="0"/>
+          <a:chOff x="0" y="0"/>
+          <a:chExt cx="0" cy="0"/>
+        </a:xfrm>
+      </p:grpSpPr>
+      <p:sp>
+        <p:nvSpPr>
+          <p:cNvPr id="2" name="標題 1"/>
+          <p:cNvSpPr>
+            <a:spLocks noGrp="1"/>
+          </p:cNvSpPr>
+          <p:nvPr>
+            <p:ph type="title"/>
+          </p:nvPr>
+        </p:nvSpPr>
+        <p:spPr/>
+        <p:txBody>
+          <a:bodyPr/>
+          <a:lstStyle/>
+          <a:p>
+            <a:r>
+              <a:rPr lang="zh-TW" altLang="en-US" dirty="0" smtClean="0"/>
+              <a:t>練習新增</a:t>
+            </a:r>
+            <a:r>
+              <a:rPr lang="zh-TW" altLang="en-US" dirty="0"/>
+              <a:t>資料</a:t>
+            </a:r>
+          </a:p>
+        </p:txBody>
+      </p:sp>
+      <p:pic>
+        <p:nvPicPr>
+          <p:cNvPr id="9" name="內容版面配置區 8" descr="畫面剪輯"/>
+          <p:cNvPicPr>
+            <a:picLocks noGrp="1" noChangeAspect="1"/>
+          </p:cNvPicPr>
+          <p:nvPr>
+            <p:ph idx="1"/>
+          </p:nvPr>
+        </p:nvPicPr>
+        <p:blipFill>
+          <a:blip r:embed="rId2">
+            <a:extLst>
+              <a:ext uri="{28A0092B-C50C-407E-A947-70E740481C1C}">
+                <a14:useLocalDpi xmlns:a14="http://schemas.microsoft.com/office/drawing/2010/main" val="0"/>
+              </a:ext>
+            </a:extLst>
+          </a:blip>
+          <a:stretch>
+            <a:fillRect/>
+          </a:stretch>
+        </p:blipFill>
+        <p:spPr>
+          <a:xfrm>
+            <a:off x="898307" y="1554162"/>
+            <a:ext cx="10591385" cy="5000625"/>
+          </a:xfrm>
+        </p:spPr>
+      </p:pic>
+    </p:spTree>
+    <p:extLst>
+      <p:ext uri="{BB962C8B-B14F-4D97-AF65-F5344CB8AC3E}">
+        <p14:creationId xmlns:p14="http://schemas.microsoft.com/office/powerpoint/2010/main" val="3582259247"/>
       </p:ext>
     </p:extLst>
   </p:cSld>
@@ -17572,6 +18005,396 @@
     <p:extLst>
       <p:ext uri="{BB962C8B-B14F-4D97-AF65-F5344CB8AC3E}">
         <p14:creationId xmlns:p14="http://schemas.microsoft.com/office/powerpoint/2010/main" val="1672958833"/>
+      </p:ext>
+    </p:extLst>
+  </p:cSld>
+  <p:clrMapOvr>
+    <a:masterClrMapping/>
+  </p:clrMapOvr>
+  <mc:AlternateContent xmlns:mc="http://schemas.openxmlformats.org/markup-compatibility/2006" xmlns:p14="http://schemas.microsoft.com/office/powerpoint/2010/main">
+    <mc:Choice Requires="p14">
+      <p:transition spd="slow" p14:dur="1500">
+        <p:random/>
+      </p:transition>
+    </mc:Choice>
+    <mc:Fallback xmlns="">
+      <p:transition spd="slow">
+        <p:random/>
+      </p:transition>
+    </mc:Fallback>
+  </mc:AlternateContent>
+</p:sld>
+</file>
+
+<file path=ppt/slides/slide60.xml><?xml version="1.0" encoding="utf-8"?>
+<p:sld xmlns:a="http://schemas.openxmlformats.org/drawingml/2006/main" xmlns:r="http://schemas.openxmlformats.org/officeDocument/2006/relationships" xmlns:p="http://schemas.openxmlformats.org/presentationml/2006/main">
+  <p:cSld>
+    <p:spTree>
+      <p:nvGrpSpPr>
+        <p:cNvPr id="1" name=""/>
+        <p:cNvGrpSpPr/>
+        <p:nvPr/>
+      </p:nvGrpSpPr>
+      <p:grpSpPr>
+        <a:xfrm>
+          <a:off x="0" y="0"/>
+          <a:ext cx="0" cy="0"/>
+          <a:chOff x="0" y="0"/>
+          <a:chExt cx="0" cy="0"/>
+        </a:xfrm>
+      </p:grpSpPr>
+      <p:sp>
+        <p:nvSpPr>
+          <p:cNvPr id="2" name="標題 1"/>
+          <p:cNvSpPr>
+            <a:spLocks noGrp="1"/>
+          </p:cNvSpPr>
+          <p:nvPr>
+            <p:ph type="title"/>
+          </p:nvPr>
+        </p:nvSpPr>
+        <p:spPr/>
+        <p:txBody>
+          <a:bodyPr/>
+          <a:lstStyle/>
+          <a:p>
+            <a:r>
+              <a:rPr lang="zh-TW" altLang="en-US" dirty="0"/>
+              <a:t>練習</a:t>
+            </a:r>
+            <a:r>
+              <a:rPr lang="zh-TW" altLang="en-US" dirty="0" smtClean="0"/>
+              <a:t>新增、讀取資料</a:t>
+            </a:r>
+            <a:endParaRPr lang="zh-TW" altLang="en-US" dirty="0"/>
+          </a:p>
+        </p:txBody>
+      </p:sp>
+      <p:pic>
+        <p:nvPicPr>
+          <p:cNvPr id="7" name="圖片 6" descr="畫面剪輯"/>
+          <p:cNvPicPr>
+            <a:picLocks noChangeAspect="1"/>
+          </p:cNvPicPr>
+          <p:nvPr/>
+        </p:nvPicPr>
+        <p:blipFill>
+          <a:blip r:embed="rId2">
+            <a:extLst>
+              <a:ext uri="{28A0092B-C50C-407E-A947-70E740481C1C}">
+                <a14:useLocalDpi xmlns:a14="http://schemas.microsoft.com/office/drawing/2010/main" val="0"/>
+              </a:ext>
+            </a:extLst>
+          </a:blip>
+          <a:stretch>
+            <a:fillRect/>
+          </a:stretch>
+        </p:blipFill>
+        <p:spPr>
+          <a:xfrm>
+            <a:off x="1223930" y="1748398"/>
+            <a:ext cx="6972684" cy="3076184"/>
+          </a:xfrm>
+          <a:prstGeom prst="rect">
+            <a:avLst/>
+          </a:prstGeom>
+        </p:spPr>
+      </p:pic>
+    </p:spTree>
+    <p:extLst>
+      <p:ext uri="{BB962C8B-B14F-4D97-AF65-F5344CB8AC3E}">
+        <p14:creationId xmlns:p14="http://schemas.microsoft.com/office/powerpoint/2010/main" val="4159093459"/>
+      </p:ext>
+    </p:extLst>
+  </p:cSld>
+  <p:clrMapOvr>
+    <a:masterClrMapping/>
+  </p:clrMapOvr>
+  <mc:AlternateContent xmlns:mc="http://schemas.openxmlformats.org/markup-compatibility/2006" xmlns:p14="http://schemas.microsoft.com/office/powerpoint/2010/main">
+    <mc:Choice Requires="p14">
+      <p:transition spd="slow" p14:dur="1500">
+        <p:random/>
+      </p:transition>
+    </mc:Choice>
+    <mc:Fallback xmlns="">
+      <p:transition spd="slow">
+        <p:random/>
+      </p:transition>
+    </mc:Fallback>
+  </mc:AlternateContent>
+</p:sld>
+</file>
+
+<file path=ppt/slides/slide61.xml><?xml version="1.0" encoding="utf-8"?>
+<p:sld xmlns:a="http://schemas.openxmlformats.org/drawingml/2006/main" xmlns:r="http://schemas.openxmlformats.org/officeDocument/2006/relationships" xmlns:p="http://schemas.openxmlformats.org/presentationml/2006/main">
+  <p:cSld>
+    <p:spTree>
+      <p:nvGrpSpPr>
+        <p:cNvPr id="1" name=""/>
+        <p:cNvGrpSpPr/>
+        <p:nvPr/>
+      </p:nvGrpSpPr>
+      <p:grpSpPr>
+        <a:xfrm>
+          <a:off x="0" y="0"/>
+          <a:ext cx="0" cy="0"/>
+          <a:chOff x="0" y="0"/>
+          <a:chExt cx="0" cy="0"/>
+        </a:xfrm>
+      </p:grpSpPr>
+      <p:sp>
+        <p:nvSpPr>
+          <p:cNvPr id="2" name="標題 1"/>
+          <p:cNvSpPr>
+            <a:spLocks noGrp="1"/>
+          </p:cNvSpPr>
+          <p:nvPr>
+            <p:ph type="title"/>
+          </p:nvPr>
+        </p:nvSpPr>
+        <p:spPr/>
+        <p:txBody>
+          <a:bodyPr/>
+          <a:lstStyle/>
+          <a:p>
+            <a:r>
+              <a:rPr lang="zh-TW" altLang="en-US" dirty="0"/>
+              <a:t>練習</a:t>
+            </a:r>
+            <a:r>
+              <a:rPr lang="zh-TW" altLang="en-US" dirty="0" smtClean="0"/>
+              <a:t>新增、讀取資料</a:t>
+            </a:r>
+            <a:endParaRPr lang="zh-TW" altLang="en-US" dirty="0"/>
+          </a:p>
+        </p:txBody>
+      </p:sp>
+      <p:pic>
+        <p:nvPicPr>
+          <p:cNvPr id="4" name="內容版面配置區 3" descr="畫面剪輯"/>
+          <p:cNvPicPr>
+            <a:picLocks noGrp="1" noChangeAspect="1"/>
+          </p:cNvPicPr>
+          <p:nvPr>
+            <p:ph idx="1"/>
+          </p:nvPr>
+        </p:nvPicPr>
+        <p:blipFill>
+          <a:blip r:embed="rId2">
+            <a:extLst>
+              <a:ext uri="{28A0092B-C50C-407E-A947-70E740481C1C}">
+                <a14:useLocalDpi xmlns:a14="http://schemas.microsoft.com/office/drawing/2010/main" val="0"/>
+              </a:ext>
+            </a:extLst>
+          </a:blip>
+          <a:stretch>
+            <a:fillRect/>
+          </a:stretch>
+        </p:blipFill>
+        <p:spPr>
+          <a:xfrm>
+            <a:off x="1223930" y="1943101"/>
+            <a:ext cx="7941384" cy="2836208"/>
+          </a:xfrm>
+        </p:spPr>
+      </p:pic>
+    </p:spTree>
+    <p:extLst>
+      <p:ext uri="{BB962C8B-B14F-4D97-AF65-F5344CB8AC3E}">
+        <p14:creationId xmlns:p14="http://schemas.microsoft.com/office/powerpoint/2010/main" val="3992557865"/>
+      </p:ext>
+    </p:extLst>
+  </p:cSld>
+  <p:clrMapOvr>
+    <a:masterClrMapping/>
+  </p:clrMapOvr>
+  <mc:AlternateContent xmlns:mc="http://schemas.openxmlformats.org/markup-compatibility/2006" xmlns:p14="http://schemas.microsoft.com/office/powerpoint/2010/main">
+    <mc:Choice Requires="p14">
+      <p:transition spd="slow" p14:dur="1500">
+        <p:random/>
+      </p:transition>
+    </mc:Choice>
+    <mc:Fallback xmlns="">
+      <p:transition spd="slow">
+        <p:random/>
+      </p:transition>
+    </mc:Fallback>
+  </mc:AlternateContent>
+</p:sld>
+</file>
+
+<file path=ppt/slides/slide62.xml><?xml version="1.0" encoding="utf-8"?>
+<p:sld xmlns:a="http://schemas.openxmlformats.org/drawingml/2006/main" xmlns:r="http://schemas.openxmlformats.org/officeDocument/2006/relationships" xmlns:p="http://schemas.openxmlformats.org/presentationml/2006/main">
+  <p:cSld>
+    <p:spTree>
+      <p:nvGrpSpPr>
+        <p:cNvPr id="1" name=""/>
+        <p:cNvGrpSpPr/>
+        <p:nvPr/>
+      </p:nvGrpSpPr>
+      <p:grpSpPr>
+        <a:xfrm>
+          <a:off x="0" y="0"/>
+          <a:ext cx="0" cy="0"/>
+          <a:chOff x="0" y="0"/>
+          <a:chExt cx="0" cy="0"/>
+        </a:xfrm>
+      </p:grpSpPr>
+      <p:sp>
+        <p:nvSpPr>
+          <p:cNvPr id="2" name="標題 1"/>
+          <p:cNvSpPr>
+            <a:spLocks noGrp="1"/>
+          </p:cNvSpPr>
+          <p:nvPr>
+            <p:ph type="title"/>
+          </p:nvPr>
+        </p:nvSpPr>
+        <p:spPr>
+          <a:xfrm>
+            <a:off x="1071530" y="2813050"/>
+            <a:ext cx="442945" cy="1189037"/>
+          </a:xfrm>
+        </p:spPr>
+        <p:txBody>
+          <a:bodyPr>
+            <a:normAutofit fontScale="90000"/>
+          </a:bodyPr>
+          <a:lstStyle/>
+          <a:p>
+            <a:r>
+              <a:rPr lang="zh-TW" altLang="en-US" dirty="0"/>
+              <a:t>練習新增、讀取資料</a:t>
+            </a:r>
+          </a:p>
+        </p:txBody>
+      </p:sp>
+      <p:pic>
+        <p:nvPicPr>
+          <p:cNvPr id="6" name="內容版面配置區 5" descr="畫面剪輯"/>
+          <p:cNvPicPr>
+            <a:picLocks noGrp="1" noChangeAspect="1"/>
+          </p:cNvPicPr>
+          <p:nvPr>
+            <p:ph idx="1"/>
+          </p:nvPr>
+        </p:nvPicPr>
+        <p:blipFill>
+          <a:blip r:embed="rId2">
+            <a:extLst>
+              <a:ext uri="{28A0092B-C50C-407E-A947-70E740481C1C}">
+                <a14:useLocalDpi xmlns:a14="http://schemas.microsoft.com/office/drawing/2010/main" val="0"/>
+              </a:ext>
+            </a:extLst>
+          </a:blip>
+          <a:stretch>
+            <a:fillRect/>
+          </a:stretch>
+        </p:blipFill>
+        <p:spPr>
+          <a:xfrm>
+            <a:off x="2004980" y="121470"/>
+            <a:ext cx="9030087" cy="6572195"/>
+          </a:xfrm>
+        </p:spPr>
+      </p:pic>
+    </p:spTree>
+    <p:extLst>
+      <p:ext uri="{BB962C8B-B14F-4D97-AF65-F5344CB8AC3E}">
+        <p14:creationId xmlns:p14="http://schemas.microsoft.com/office/powerpoint/2010/main" val="1840728567"/>
+      </p:ext>
+    </p:extLst>
+  </p:cSld>
+  <p:clrMapOvr>
+    <a:masterClrMapping/>
+  </p:clrMapOvr>
+  <mc:AlternateContent xmlns:mc="http://schemas.openxmlformats.org/markup-compatibility/2006" xmlns:p14="http://schemas.microsoft.com/office/powerpoint/2010/main">
+    <mc:Choice Requires="p14">
+      <p:transition spd="slow" p14:dur="1500">
+        <p:random/>
+      </p:transition>
+    </mc:Choice>
+    <mc:Fallback xmlns="">
+      <p:transition spd="slow">
+        <p:random/>
+      </p:transition>
+    </mc:Fallback>
+  </mc:AlternateContent>
+</p:sld>
+</file>
+
+<file path=ppt/slides/slide63.xml><?xml version="1.0" encoding="utf-8"?>
+<p:sld xmlns:a="http://schemas.openxmlformats.org/drawingml/2006/main" xmlns:r="http://schemas.openxmlformats.org/officeDocument/2006/relationships" xmlns:p="http://schemas.openxmlformats.org/presentationml/2006/main">
+  <p:cSld>
+    <p:spTree>
+      <p:nvGrpSpPr>
+        <p:cNvPr id="1" name=""/>
+        <p:cNvGrpSpPr/>
+        <p:nvPr/>
+      </p:nvGrpSpPr>
+      <p:grpSpPr>
+        <a:xfrm>
+          <a:off x="0" y="0"/>
+          <a:ext cx="0" cy="0"/>
+          <a:chOff x="0" y="0"/>
+          <a:chExt cx="0" cy="0"/>
+        </a:xfrm>
+      </p:grpSpPr>
+      <p:sp>
+        <p:nvSpPr>
+          <p:cNvPr id="2" name="標題 1"/>
+          <p:cNvSpPr>
+            <a:spLocks noGrp="1"/>
+          </p:cNvSpPr>
+          <p:nvPr>
+            <p:ph type="title"/>
+          </p:nvPr>
+        </p:nvSpPr>
+        <p:spPr/>
+        <p:txBody>
+          <a:bodyPr/>
+          <a:lstStyle/>
+          <a:p>
+            <a:r>
+              <a:rPr lang="zh-TW" altLang="en-US" dirty="0"/>
+              <a:t>練習新增、讀取資料</a:t>
+            </a:r>
+          </a:p>
+        </p:txBody>
+      </p:sp>
+      <p:pic>
+        <p:nvPicPr>
+          <p:cNvPr id="4" name="內容版面配置區 3" descr="畫面剪輯"/>
+          <p:cNvPicPr>
+            <a:picLocks noGrp="1" noChangeAspect="1"/>
+          </p:cNvPicPr>
+          <p:nvPr>
+            <p:ph idx="1"/>
+          </p:nvPr>
+        </p:nvPicPr>
+        <p:blipFill>
+          <a:blip r:embed="rId2">
+            <a:extLst>
+              <a:ext uri="{28A0092B-C50C-407E-A947-70E740481C1C}">
+                <a14:useLocalDpi xmlns:a14="http://schemas.microsoft.com/office/drawing/2010/main" val="0"/>
+              </a:ext>
+            </a:extLst>
+          </a:blip>
+          <a:stretch>
+            <a:fillRect/>
+          </a:stretch>
+        </p:blipFill>
+        <p:spPr>
+          <a:xfrm>
+            <a:off x="1223930" y="2847975"/>
+            <a:ext cx="5310806" cy="1459777"/>
+          </a:xfrm>
+        </p:spPr>
+      </p:pic>
+    </p:spTree>
+    <p:extLst>
+      <p:ext uri="{BB962C8B-B14F-4D97-AF65-F5344CB8AC3E}">
+        <p14:creationId xmlns:p14="http://schemas.microsoft.com/office/powerpoint/2010/main" val="1164944997"/>
       </p:ext>
     </p:extLst>
   </p:cSld>

--- a/投影片/3.網站程式與資料庫溝通、互動.pptx
+++ b/投影片/3.網站程式與資料庫溝通、互動.pptx
@@ -208,7 +208,7 @@
           <a:p>
             <a:fld id="{31CDE89B-FBD9-4E23-BEEB-B0C8819124B3}" type="datetimeFigureOut">
               <a:rPr lang="zh-TW" altLang="en-US" smtClean="0"/>
-              <a:t>2022/3/15</a:t>
+              <a:t>2022/3/16</a:t>
             </a:fld>
             <a:endParaRPr lang="zh-TW" altLang="en-US"/>
           </a:p>
@@ -3079,7 +3079,7 @@
           <a:p>
             <a:fld id="{31CDE89B-FBD9-4E23-BEEB-B0C8819124B3}" type="datetimeFigureOut">
               <a:rPr lang="zh-TW" altLang="en-US" smtClean="0"/>
-              <a:t>2022/3/15</a:t>
+              <a:t>2022/3/16</a:t>
             </a:fld>
             <a:endParaRPr lang="zh-TW" altLang="en-US"/>
           </a:p>
@@ -3271,7 +3271,7 @@
           <a:p>
             <a:fld id="{31CDE89B-FBD9-4E23-BEEB-B0C8819124B3}" type="datetimeFigureOut">
               <a:rPr lang="zh-TW" altLang="en-US" smtClean="0"/>
-              <a:t>2022/3/15</a:t>
+              <a:t>2022/3/16</a:t>
             </a:fld>
             <a:endParaRPr lang="zh-TW" altLang="en-US"/>
           </a:p>
@@ -3467,7 +3467,7 @@
           <a:p>
             <a:fld id="{31CDE89B-FBD9-4E23-BEEB-B0C8819124B3}" type="datetimeFigureOut">
               <a:rPr lang="zh-TW" altLang="en-US" smtClean="0"/>
-              <a:t>2022/3/15</a:t>
+              <a:t>2022/3/16</a:t>
             </a:fld>
             <a:endParaRPr lang="zh-TW" altLang="en-US"/>
           </a:p>
@@ -4563,7 +4563,7 @@
           <a:p>
             <a:fld id="{31CDE89B-FBD9-4E23-BEEB-B0C8819124B3}" type="datetimeFigureOut">
               <a:rPr lang="zh-TW" altLang="en-US" smtClean="0"/>
-              <a:t>2022/3/15</a:t>
+              <a:t>2022/3/16</a:t>
             </a:fld>
             <a:endParaRPr lang="zh-TW" altLang="en-US"/>
           </a:p>
@@ -4812,7 +4812,7 @@
           <a:p>
             <a:fld id="{31CDE89B-FBD9-4E23-BEEB-B0C8819124B3}" type="datetimeFigureOut">
               <a:rPr lang="zh-TW" altLang="en-US" smtClean="0"/>
-              <a:t>2022/3/15</a:t>
+              <a:t>2022/3/16</a:t>
             </a:fld>
             <a:endParaRPr lang="zh-TW" altLang="en-US"/>
           </a:p>
@@ -5191,7 +5191,7 @@
           <a:p>
             <a:fld id="{31CDE89B-FBD9-4E23-BEEB-B0C8819124B3}" type="datetimeFigureOut">
               <a:rPr lang="zh-TW" altLang="en-US" smtClean="0"/>
-              <a:t>2022/3/15</a:t>
+              <a:t>2022/3/16</a:t>
             </a:fld>
             <a:endParaRPr lang="zh-TW" altLang="en-US"/>
           </a:p>
@@ -5321,7 +5321,7 @@
           <a:p>
             <a:fld id="{31CDE89B-FBD9-4E23-BEEB-B0C8819124B3}" type="datetimeFigureOut">
               <a:rPr lang="zh-TW" altLang="en-US" smtClean="0"/>
-              <a:t>2022/3/15</a:t>
+              <a:t>2022/3/16</a:t>
             </a:fld>
             <a:endParaRPr lang="zh-TW" altLang="en-US"/>
           </a:p>
@@ -5428,7 +5428,7 @@
           <a:p>
             <a:fld id="{31CDE89B-FBD9-4E23-BEEB-B0C8819124B3}" type="datetimeFigureOut">
               <a:rPr lang="zh-TW" altLang="en-US" smtClean="0"/>
-              <a:t>2022/3/15</a:t>
+              <a:t>2022/3/16</a:t>
             </a:fld>
             <a:endParaRPr lang="zh-TW" altLang="en-US"/>
           </a:p>
@@ -5717,7 +5717,7 @@
           <a:p>
             <a:fld id="{31CDE89B-FBD9-4E23-BEEB-B0C8819124B3}" type="datetimeFigureOut">
               <a:rPr lang="zh-TW" altLang="en-US" smtClean="0"/>
-              <a:t>2022/3/15</a:t>
+              <a:t>2022/3/16</a:t>
             </a:fld>
             <a:endParaRPr lang="zh-TW" altLang="en-US"/>
           </a:p>
@@ -5982,7 +5982,7 @@
           <a:p>
             <a:fld id="{31CDE89B-FBD9-4E23-BEEB-B0C8819124B3}" type="datetimeFigureOut">
               <a:rPr lang="zh-TW" altLang="en-US" smtClean="0"/>
-              <a:t>2022/3/15</a:t>
+              <a:t>2022/3/16</a:t>
             </a:fld>
             <a:endParaRPr lang="zh-TW" altLang="en-US"/>
           </a:p>
@@ -6207,7 +6207,7 @@
           <a:p>
             <a:fld id="{31CDE89B-FBD9-4E23-BEEB-B0C8819124B3}" type="datetimeFigureOut">
               <a:rPr lang="zh-TW" altLang="en-US" smtClean="0"/>
-              <a:t>2022/3/15</a:t>
+              <a:t>2022/3/16</a:t>
             </a:fld>
             <a:endParaRPr lang="zh-TW" altLang="en-US"/>
           </a:p>
@@ -10286,11 +10286,7 @@
             </a:r>
             <a:r>
               <a:rPr lang="en-US" altLang="zh-TW" dirty="0" smtClean="0"/>
-              <a:t>DB_+</a:t>
-            </a:r>
-            <a:r>
-              <a:rPr lang="zh-TW" altLang="en-US" dirty="0" smtClean="0"/>
-              <a:t>學號</a:t>
+              <a:t>DB</a:t>
             </a:r>
             <a:endParaRPr lang="en-US" altLang="zh-TW" dirty="0" smtClean="0"/>
           </a:p>
@@ -11576,7 +11572,7 @@
       </p:grpSpPr>
       <p:pic>
         <p:nvPicPr>
-          <p:cNvPr id="9" name="圖片 8" descr="畫面剪輯"/>
+          <p:cNvPr id="3" name="圖片 2" descr="畫面剪輯"/>
           <p:cNvPicPr>
             <a:picLocks noChangeAspect="1"/>
           </p:cNvPicPr>
@@ -11596,8 +11592,8 @@
         </p:blipFill>
         <p:spPr>
           <a:xfrm>
-            <a:off x="2086508" y="959643"/>
-            <a:ext cx="8106906" cy="5734850"/>
+            <a:off x="2083778" y="469090"/>
+            <a:ext cx="8280018" cy="6108362"/>
           </a:xfrm>
           <a:prstGeom prst="rect">
             <a:avLst/>
@@ -14470,7 +14466,7 @@
           <p:nvPr>
             <p:extLst>
               <p:ext uri="{D42A27DB-BD31-4B8C-83A1-F6EECF244321}">
-                <p14:modId xmlns:p14="http://schemas.microsoft.com/office/powerpoint/2010/main" val="3229875924"/>
+                <p14:modId xmlns:p14="http://schemas.microsoft.com/office/powerpoint/2010/main" val="4072353350"/>
               </p:ext>
             </p:extLst>
           </p:nvPr>
@@ -14687,7 +14683,7 @@
                       </a:pPr>
                       <a:r>
                         <a:rPr lang="en-US" altLang="zh-TW" dirty="0" err="1" smtClean="0"/>
-                        <a:t>PermissionID</a:t>
+                        <a:t>RoleID</a:t>
                       </a:r>
                       <a:endParaRPr lang="en-US" altLang="zh-TW" dirty="0" smtClean="0"/>
                     </a:p>
@@ -14786,7 +14782,7 @@
                     <a:p>
                       <a:r>
                         <a:rPr lang="en-US" altLang="zh-TW" dirty="0" smtClean="0"/>
-                        <a:t>Permission</a:t>
+                        <a:t>Role</a:t>
                       </a:r>
                       <a:endParaRPr lang="zh-TW" altLang="en-US" dirty="0"/>
                     </a:p>
@@ -17346,7 +17342,7 @@
                     <a:p>
                       <a:r>
                         <a:rPr lang="en-US" altLang="zh-TW" dirty="0" err="1" smtClean="0"/>
-                        <a:t>PermissionID</a:t>
+                        <a:t>RoleID</a:t>
                       </a:r>
                       <a:endParaRPr lang="zh-TW" altLang="en-US" dirty="0"/>
                     </a:p>
@@ -17384,11 +17380,11 @@
                     <a:p>
                       <a:r>
                         <a:rPr lang="en-US" altLang="zh-TW" dirty="0" smtClean="0"/>
-                        <a:t>Permission&gt;</a:t>
+                        <a:t>Role&gt;</a:t>
                       </a:r>
                       <a:r>
                         <a:rPr lang="en-US" altLang="zh-TW" dirty="0" err="1" smtClean="0"/>
-                        <a:t>PermissionID</a:t>
+                        <a:t>RoleID</a:t>
                       </a:r>
                       <a:endParaRPr lang="zh-TW" altLang="en-US" dirty="0"/>
                     </a:p>
@@ -19374,7 +19370,7 @@
                       </a:pPr>
                       <a:r>
                         <a:rPr lang="en-US" altLang="zh-TW" dirty="0" err="1" smtClean="0"/>
-                        <a:t>EducationID</a:t>
+                        <a:t>RoleID</a:t>
                       </a:r>
                       <a:endParaRPr lang="en-US" altLang="zh-TW" dirty="0" smtClean="0"/>
                     </a:p>
@@ -19388,7 +19384,7 @@
                     <a:p>
                       <a:r>
                         <a:rPr lang="en-US" altLang="zh-TW" dirty="0" smtClean="0"/>
-                        <a:t>Education</a:t>
+                        <a:t>Role</a:t>
                       </a:r>
                       <a:endParaRPr lang="zh-TW" altLang="en-US" dirty="0"/>
                     </a:p>
